--- a/Documentation/2018ForbesSpyratos.pptx
+++ b/Documentation/2018ForbesSpyratos.pptx
@@ -5,10 +5,10 @@
     <p:sldMasterId id="2147483648" r:id="rId2"/>
   </p:sldMasterIdLst>
   <p:notesMasterIdLst>
-    <p:notesMasterId r:id="rId20"/>
+    <p:notesMasterId r:id="rId23"/>
   </p:notesMasterIdLst>
   <p:handoutMasterIdLst>
-    <p:handoutMasterId r:id="rId21"/>
+    <p:handoutMasterId r:id="rId24"/>
   </p:handoutMasterIdLst>
   <p:sldIdLst>
     <p:sldId id="284" r:id="rId3"/>
@@ -17,17 +17,20 @@
     <p:sldId id="257" r:id="rId6"/>
     <p:sldId id="269" r:id="rId7"/>
     <p:sldId id="270" r:id="rId8"/>
-    <p:sldId id="258" r:id="rId9"/>
-    <p:sldId id="259" r:id="rId10"/>
-    <p:sldId id="260" r:id="rId11"/>
-    <p:sldId id="261" r:id="rId12"/>
-    <p:sldId id="262" r:id="rId13"/>
-    <p:sldId id="267" r:id="rId14"/>
-    <p:sldId id="263" r:id="rId15"/>
-    <p:sldId id="264" r:id="rId16"/>
-    <p:sldId id="265" r:id="rId17"/>
-    <p:sldId id="285" r:id="rId18"/>
-    <p:sldId id="266" r:id="rId19"/>
+    <p:sldId id="287" r:id="rId9"/>
+    <p:sldId id="258" r:id="rId10"/>
+    <p:sldId id="288" r:id="rId11"/>
+    <p:sldId id="259" r:id="rId12"/>
+    <p:sldId id="260" r:id="rId13"/>
+    <p:sldId id="261" r:id="rId14"/>
+    <p:sldId id="262" r:id="rId15"/>
+    <p:sldId id="267" r:id="rId16"/>
+    <p:sldId id="263" r:id="rId17"/>
+    <p:sldId id="264" r:id="rId18"/>
+    <p:sldId id="265" r:id="rId19"/>
+    <p:sldId id="285" r:id="rId20"/>
+    <p:sldId id="286" r:id="rId21"/>
+    <p:sldId id="266" r:id="rId22"/>
   </p:sldIdLst>
   <p:sldSz cx="9144000" cy="6858000" type="screen4x3"/>
   <p:notesSz cx="6858000" cy="9144000"/>
@@ -241,7 +244,7 @@
           <a:p>
             <a:fld id="{D7F4AE8B-A150-4820-BC27-EE42D733F4B8}" type="datetimeFigureOut">
               <a:rPr lang="en-GB" smtClean="0"/>
-              <a:t>11/04/2018</a:t>
+              <a:t>13/04/2018</a:t>
             </a:fld>
             <a:endParaRPr lang="en-GB"/>
           </a:p>
@@ -411,7 +414,7 @@
             <a:fld id="{45B75E70-762A-4375-AA7C-DE9BB7CC9339}" type="datetimeFigureOut">
               <a:rPr lang="de-DE" smtClean="0"/>
               <a:pPr/>
-              <a:t>11.04.2018</a:t>
+              <a:t>13.04.2018</a:t>
             </a:fld>
             <a:endParaRPr lang="de-DE" dirty="0"/>
           </a:p>
@@ -3492,7 +3495,7 @@
           <p:cNvPr id="2" name="Title 1">
             <a:extLst>
               <a:ext uri="{FF2B5EF4-FFF2-40B4-BE49-F238E27FC236}">
-                <a16:creationId xmlns:a16="http://schemas.microsoft.com/office/drawing/2014/main" id="{48FB1CE3-E6DD-4357-956F-D4C81F91358E}"/>
+                <a16:creationId xmlns:a16="http://schemas.microsoft.com/office/drawing/2014/main" id="{16376EFC-FFD2-47EA-A7D9-D7C61C42F7E6}"/>
               </a:ext>
             </a:extLst>
           </p:cNvPr>
@@ -3510,7 +3513,7 @@
           <a:p>
             <a:r>
               <a:rPr lang="en-AU" dirty="0"/>
-              <a:t>Germany-Japan</a:t>
+              <a:t>Japan-Germany</a:t>
             </a:r>
             <a:endParaRPr lang="en-GB" dirty="0"/>
           </a:p>
@@ -3521,7 +3524,7 @@
           <p:cNvPr id="4" name="Slide Number Placeholder 3">
             <a:extLst>
               <a:ext uri="{FF2B5EF4-FFF2-40B4-BE49-F238E27FC236}">
-                <a16:creationId xmlns:a16="http://schemas.microsoft.com/office/drawing/2014/main" id="{C29E3288-1182-4E80-8617-6E011960B236}"/>
+                <a16:creationId xmlns:a16="http://schemas.microsoft.com/office/drawing/2014/main" id="{3BD86E3B-4B5F-4B9C-B37F-9C78653323D7}"/>
               </a:ext>
             </a:extLst>
           </p:cNvPr>
@@ -3553,10 +3556,10 @@
       </p:sp>
       <p:pic>
         <p:nvPicPr>
-          <p:cNvPr id="8" name="Picture 7">
+          <p:cNvPr id="5" name="Picture 4">
             <a:extLst>
               <a:ext uri="{FF2B5EF4-FFF2-40B4-BE49-F238E27FC236}">
-                <a16:creationId xmlns:a16="http://schemas.microsoft.com/office/drawing/2014/main" id="{CD2F1A08-E7EC-4F50-9182-D3B1E50C6D30}"/>
+                <a16:creationId xmlns:a16="http://schemas.microsoft.com/office/drawing/2014/main" id="{E3BB976C-EE6A-4DA4-8767-4C0D4D92E1F4}"/>
               </a:ext>
             </a:extLst>
           </p:cNvPr>
@@ -3571,13 +3574,13 @@
               </a:ext>
             </a:extLst>
           </a:blip>
-          <a:srcRect l="12527" t="18901" r="8726" b="22487"/>
+          <a:srcRect l="12131" t="14275" r="8797" b="18809"/>
           <a:stretch/>
         </p:blipFill>
         <p:spPr bwMode="auto">
           <a:xfrm>
-            <a:off x="990600" y="2133600"/>
-            <a:ext cx="7356158" cy="3774440"/>
+            <a:off x="1099820" y="1711960"/>
+            <a:ext cx="6944360" cy="3698240"/>
           </a:xfrm>
           <a:prstGeom prst="rect">
             <a:avLst/>
@@ -3593,10 +3596,46 @@
           </a:extLst>
         </p:spPr>
       </p:pic>
+      <p:sp>
+        <p:nvSpPr>
+          <p:cNvPr id="6" name="TextBox 5">
+            <a:extLst>
+              <a:ext uri="{FF2B5EF4-FFF2-40B4-BE49-F238E27FC236}">
+                <a16:creationId xmlns:a16="http://schemas.microsoft.com/office/drawing/2014/main" id="{C1C00960-E593-4FE4-8078-12DAC6CF4FCB}"/>
+              </a:ext>
+            </a:extLst>
+          </p:cNvPr>
+          <p:cNvSpPr txBox="1"/>
+          <p:nvPr/>
+        </p:nvSpPr>
+        <p:spPr>
+          <a:xfrm>
+            <a:off x="1410717" y="5562600"/>
+            <a:ext cx="6322565" cy="400110"/>
+          </a:xfrm>
+          <a:prstGeom prst="rect">
+            <a:avLst/>
+          </a:prstGeom>
+          <a:noFill/>
+        </p:spPr>
+        <p:txBody>
+          <a:bodyPr wrap="none" rtlCol="0">
+            <a:spAutoFit/>
+          </a:bodyPr>
+          <a:lstStyle/>
+          <a:p>
+            <a:r>
+              <a:rPr lang="en-AU" sz="2000" dirty="0"/>
+              <a:t>Maximum overpressure over inhabited areas: 10.59pa</a:t>
+            </a:r>
+            <a:endParaRPr lang="en-GB" sz="2000" dirty="0"/>
+          </a:p>
+        </p:txBody>
+      </p:sp>
     </p:spTree>
     <p:extLst>
       <p:ext uri="{BB962C8B-B14F-4D97-AF65-F5344CB8AC3E}">
-        <p14:creationId xmlns:p14="http://schemas.microsoft.com/office/powerpoint/2010/main" val="2871296199"/>
+        <p14:creationId xmlns:p14="http://schemas.microsoft.com/office/powerpoint/2010/main" val="663078775"/>
       </p:ext>
     </p:extLst>
   </p:cSld>
@@ -3628,6 +3667,223 @@
           <p:cNvPr id="2" name="Title 1">
             <a:extLst>
               <a:ext uri="{FF2B5EF4-FFF2-40B4-BE49-F238E27FC236}">
+                <a16:creationId xmlns:a16="http://schemas.microsoft.com/office/drawing/2014/main" id="{63EFF008-F382-40EF-90E1-F463C624B645}"/>
+              </a:ext>
+            </a:extLst>
+          </p:cNvPr>
+          <p:cNvSpPr>
+            <a:spLocks noGrp="1"/>
+          </p:cNvSpPr>
+          <p:nvPr>
+            <p:ph type="title"/>
+          </p:nvPr>
+        </p:nvSpPr>
+        <p:spPr/>
+        <p:txBody>
+          <a:bodyPr/>
+          <a:lstStyle/>
+          <a:p>
+            <a:r>
+              <a:rPr lang="en-AU" dirty="0"/>
+              <a:t>Japan-Germany</a:t>
+            </a:r>
+            <a:endParaRPr lang="en-GB" dirty="0"/>
+          </a:p>
+        </p:txBody>
+      </p:sp>
+      <p:sp>
+        <p:nvSpPr>
+          <p:cNvPr id="4" name="Slide Number Placeholder 3">
+            <a:extLst>
+              <a:ext uri="{FF2B5EF4-FFF2-40B4-BE49-F238E27FC236}">
+                <a16:creationId xmlns:a16="http://schemas.microsoft.com/office/drawing/2014/main" id="{E332D4D2-9DC5-4E4A-A746-F7D2E2191D03}"/>
+              </a:ext>
+            </a:extLst>
+          </p:cNvPr>
+          <p:cNvSpPr>
+            <a:spLocks noGrp="1"/>
+          </p:cNvSpPr>
+          <p:nvPr>
+            <p:ph type="sldNum" sz="quarter" idx="12"/>
+          </p:nvPr>
+        </p:nvSpPr>
+        <p:spPr/>
+        <p:txBody>
+          <a:bodyPr/>
+          <a:lstStyle/>
+          <a:p>
+            <a:pPr>
+              <a:defRPr/>
+            </a:pPr>
+            <a:fld id="{2B0FB755-1D62-448A-B6E9-65F667AFBE78}" type="slidenum">
+              <a:rPr lang="en-US" altLang="en-US" smtClean="0"/>
+              <a:pPr>
+                <a:defRPr/>
+              </a:pPr>
+              <a:t>11</a:t>
+            </a:fld>
+            <a:endParaRPr lang="en-US" altLang="en-US"/>
+          </a:p>
+        </p:txBody>
+      </p:sp>
+      <p:pic>
+        <p:nvPicPr>
+          <p:cNvPr id="5" name="Picture 4">
+            <a:extLst>
+              <a:ext uri="{FF2B5EF4-FFF2-40B4-BE49-F238E27FC236}">
+                <a16:creationId xmlns:a16="http://schemas.microsoft.com/office/drawing/2014/main" id="{FBDF3EB9-F716-4FD0-8A65-346DE3EE0DDB}"/>
+              </a:ext>
+            </a:extLst>
+          </p:cNvPr>
+          <p:cNvPicPr/>
+          <p:nvPr/>
+        </p:nvPicPr>
+        <p:blipFill rotWithShape="1">
+          <a:blip r:embed="rId2">
+            <a:extLst>
+              <a:ext uri="{28A0092B-C50C-407E-A947-70E740481C1C}">
+                <a14:useLocalDpi xmlns:a14="http://schemas.microsoft.com/office/drawing/2010/main" val="0"/>
+              </a:ext>
+            </a:extLst>
+          </a:blip>
+          <a:srcRect l="9023" t="5398" r="47990" b="4364"/>
+          <a:stretch/>
+        </p:blipFill>
+        <p:spPr bwMode="auto">
+          <a:xfrm>
+            <a:off x="293757" y="2019299"/>
+            <a:ext cx="2799683" cy="3859108"/>
+          </a:xfrm>
+          <a:prstGeom prst="rect">
+            <a:avLst/>
+          </a:prstGeom>
+          <a:noFill/>
+          <a:ln>
+            <a:noFill/>
+          </a:ln>
+          <a:extLst>
+            <a:ext uri="{53640926-AAD7-44D8-BBD7-CCE9431645EC}">
+              <a14:shadowObscured xmlns:a14="http://schemas.microsoft.com/office/drawing/2010/main"/>
+            </a:ext>
+          </a:extLst>
+        </p:spPr>
+      </p:pic>
+      <p:pic>
+        <p:nvPicPr>
+          <p:cNvPr id="6" name="Picture 5">
+            <a:extLst>
+              <a:ext uri="{FF2B5EF4-FFF2-40B4-BE49-F238E27FC236}">
+                <a16:creationId xmlns:a16="http://schemas.microsoft.com/office/drawing/2014/main" id="{65C7A4D2-727D-4A0A-87D9-190D241C8DD0}"/>
+              </a:ext>
+            </a:extLst>
+          </p:cNvPr>
+          <p:cNvPicPr/>
+          <p:nvPr/>
+        </p:nvPicPr>
+        <p:blipFill rotWithShape="1">
+          <a:blip r:embed="rId3">
+            <a:extLst>
+              <a:ext uri="{28A0092B-C50C-407E-A947-70E740481C1C}">
+                <a14:useLocalDpi xmlns:a14="http://schemas.microsoft.com/office/drawing/2010/main" val="0"/>
+              </a:ext>
+            </a:extLst>
+          </a:blip>
+          <a:srcRect l="7776" t="4901" r="8068" b="5794"/>
+          <a:stretch/>
+        </p:blipFill>
+        <p:spPr bwMode="auto">
+          <a:xfrm>
+            <a:off x="2819400" y="1981200"/>
+            <a:ext cx="5943600" cy="3897207"/>
+          </a:xfrm>
+          <a:prstGeom prst="rect">
+            <a:avLst/>
+          </a:prstGeom>
+          <a:noFill/>
+          <a:ln>
+            <a:noFill/>
+          </a:ln>
+          <a:extLst>
+            <a:ext uri="{53640926-AAD7-44D8-BBD7-CCE9431645EC}">
+              <a14:shadowObscured xmlns:a14="http://schemas.microsoft.com/office/drawing/2010/main"/>
+            </a:ext>
+          </a:extLst>
+        </p:spPr>
+      </p:pic>
+      <p:pic>
+        <p:nvPicPr>
+          <p:cNvPr id="7" name="Picture 6">
+            <a:extLst>
+              <a:ext uri="{FF2B5EF4-FFF2-40B4-BE49-F238E27FC236}">
+                <a16:creationId xmlns:a16="http://schemas.microsoft.com/office/drawing/2014/main" id="{A001CA7E-2D7A-4FEC-8FB3-12F3A77865D4}"/>
+              </a:ext>
+            </a:extLst>
+          </p:cNvPr>
+          <p:cNvPicPr/>
+          <p:nvPr/>
+        </p:nvPicPr>
+        <p:blipFill>
+          <a:blip r:embed="rId4">
+            <a:extLst>
+              <a:ext uri="{28A0092B-C50C-407E-A947-70E740481C1C}">
+                <a14:useLocalDpi xmlns:a14="http://schemas.microsoft.com/office/drawing/2010/main" val="0"/>
+              </a:ext>
+            </a:extLst>
+          </a:blip>
+          <a:srcRect/>
+          <a:stretch>
+            <a:fillRect/>
+          </a:stretch>
+        </p:blipFill>
+        <p:spPr bwMode="auto">
+          <a:xfrm>
+            <a:off x="5867400" y="1828800"/>
+            <a:ext cx="3124200" cy="1937992"/>
+          </a:xfrm>
+          <a:prstGeom prst="rect">
+            <a:avLst/>
+          </a:prstGeom>
+          <a:noFill/>
+          <a:ln>
+            <a:noFill/>
+          </a:ln>
+        </p:spPr>
+      </p:pic>
+    </p:spTree>
+    <p:extLst>
+      <p:ext uri="{BB962C8B-B14F-4D97-AF65-F5344CB8AC3E}">
+        <p14:creationId xmlns:p14="http://schemas.microsoft.com/office/powerpoint/2010/main" val="1614970621"/>
+      </p:ext>
+    </p:extLst>
+  </p:cSld>
+  <p:clrMapOvr>
+    <a:masterClrMapping/>
+  </p:clrMapOvr>
+</p:sld>
+</file>
+
+<file path=ppt/slides/slide12.xml><?xml version="1.0" encoding="utf-8"?>
+<p:sld xmlns:a="http://schemas.openxmlformats.org/drawingml/2006/main" xmlns:r="http://schemas.openxmlformats.org/officeDocument/2006/relationships" xmlns:p="http://schemas.openxmlformats.org/presentationml/2006/main">
+  <p:cSld>
+    <p:spTree>
+      <p:nvGrpSpPr>
+        <p:cNvPr id="1" name=""/>
+        <p:cNvGrpSpPr/>
+        <p:nvPr/>
+      </p:nvGrpSpPr>
+      <p:grpSpPr>
+        <a:xfrm>
+          <a:off x="0" y="0"/>
+          <a:ext cx="0" cy="0"/>
+          <a:chOff x="0" y="0"/>
+          <a:chExt cx="0" cy="0"/>
+        </a:xfrm>
+      </p:grpSpPr>
+      <p:sp>
+        <p:nvSpPr>
+          <p:cNvPr id="2" name="Title 1">
+            <a:extLst>
+              <a:ext uri="{FF2B5EF4-FFF2-40B4-BE49-F238E27FC236}">
                 <a16:creationId xmlns:a16="http://schemas.microsoft.com/office/drawing/2014/main" id="{48FB1CE3-E6DD-4357-956F-D4C81F91358E}"/>
               </a:ext>
             </a:extLst>
@@ -3681,7 +3937,179 @@
               <a:pPr>
                 <a:defRPr/>
               </a:pPr>
-              <a:t>11</a:t>
+              <a:t>12</a:t>
+            </a:fld>
+            <a:endParaRPr lang="en-US" altLang="en-US"/>
+          </a:p>
+        </p:txBody>
+      </p:sp>
+      <p:pic>
+        <p:nvPicPr>
+          <p:cNvPr id="8" name="Picture 7">
+            <a:extLst>
+              <a:ext uri="{FF2B5EF4-FFF2-40B4-BE49-F238E27FC236}">
+                <a16:creationId xmlns:a16="http://schemas.microsoft.com/office/drawing/2014/main" id="{CD2F1A08-E7EC-4F50-9182-D3B1E50C6D30}"/>
+              </a:ext>
+            </a:extLst>
+          </p:cNvPr>
+          <p:cNvPicPr/>
+          <p:nvPr/>
+        </p:nvPicPr>
+        <p:blipFill rotWithShape="1">
+          <a:blip r:embed="rId2">
+            <a:extLst>
+              <a:ext uri="{28A0092B-C50C-407E-A947-70E740481C1C}">
+                <a14:useLocalDpi xmlns:a14="http://schemas.microsoft.com/office/drawing/2010/main" val="0"/>
+              </a:ext>
+            </a:extLst>
+          </a:blip>
+          <a:srcRect l="12527" t="18901" r="8726" b="22487"/>
+          <a:stretch/>
+        </p:blipFill>
+        <p:spPr bwMode="auto">
+          <a:xfrm>
+            <a:off x="893920" y="1541780"/>
+            <a:ext cx="7356158" cy="3774440"/>
+          </a:xfrm>
+          <a:prstGeom prst="rect">
+            <a:avLst/>
+          </a:prstGeom>
+          <a:noFill/>
+          <a:ln>
+            <a:noFill/>
+          </a:ln>
+          <a:extLst>
+            <a:ext uri="{53640926-AAD7-44D8-BBD7-CCE9431645EC}">
+              <a14:shadowObscured xmlns:a14="http://schemas.microsoft.com/office/drawing/2010/main"/>
+            </a:ext>
+          </a:extLst>
+        </p:spPr>
+      </p:pic>
+      <p:sp>
+        <p:nvSpPr>
+          <p:cNvPr id="5" name="TextBox 4">
+            <a:extLst>
+              <a:ext uri="{FF2B5EF4-FFF2-40B4-BE49-F238E27FC236}">
+                <a16:creationId xmlns:a16="http://schemas.microsoft.com/office/drawing/2014/main" id="{8887FB46-B714-43AD-9419-C1E81DD6968E}"/>
+              </a:ext>
+            </a:extLst>
+          </p:cNvPr>
+          <p:cNvSpPr txBox="1"/>
+          <p:nvPr/>
+        </p:nvSpPr>
+        <p:spPr>
+          <a:xfrm>
+            <a:off x="2263450" y="5517232"/>
+            <a:ext cx="4617098" cy="400110"/>
+          </a:xfrm>
+          <a:prstGeom prst="rect">
+            <a:avLst/>
+          </a:prstGeom>
+          <a:noFill/>
+        </p:spPr>
+        <p:txBody>
+          <a:bodyPr wrap="none" rtlCol="0">
+            <a:spAutoFit/>
+          </a:bodyPr>
+          <a:lstStyle/>
+          <a:p>
+            <a:r>
+              <a:rPr lang="en-AU" sz="2000" dirty="0"/>
+              <a:t>Overpressure over inhabited areas: 54.5pa</a:t>
+            </a:r>
+            <a:endParaRPr lang="en-GB" sz="2000" dirty="0"/>
+          </a:p>
+        </p:txBody>
+      </p:sp>
+    </p:spTree>
+    <p:extLst>
+      <p:ext uri="{BB962C8B-B14F-4D97-AF65-F5344CB8AC3E}">
+        <p14:creationId xmlns:p14="http://schemas.microsoft.com/office/powerpoint/2010/main" val="2871296199"/>
+      </p:ext>
+    </p:extLst>
+  </p:cSld>
+  <p:clrMapOvr>
+    <a:masterClrMapping/>
+  </p:clrMapOvr>
+</p:sld>
+</file>
+
+<file path=ppt/slides/slide13.xml><?xml version="1.0" encoding="utf-8"?>
+<p:sld xmlns:a="http://schemas.openxmlformats.org/drawingml/2006/main" xmlns:r="http://schemas.openxmlformats.org/officeDocument/2006/relationships" xmlns:p="http://schemas.openxmlformats.org/presentationml/2006/main">
+  <p:cSld>
+    <p:spTree>
+      <p:nvGrpSpPr>
+        <p:cNvPr id="1" name=""/>
+        <p:cNvGrpSpPr/>
+        <p:nvPr/>
+      </p:nvGrpSpPr>
+      <p:grpSpPr>
+        <a:xfrm>
+          <a:off x="0" y="0"/>
+          <a:ext cx="0" cy="0"/>
+          <a:chOff x="0" y="0"/>
+          <a:chExt cx="0" cy="0"/>
+        </a:xfrm>
+      </p:grpSpPr>
+      <p:sp>
+        <p:nvSpPr>
+          <p:cNvPr id="2" name="Title 1">
+            <a:extLst>
+              <a:ext uri="{FF2B5EF4-FFF2-40B4-BE49-F238E27FC236}">
+                <a16:creationId xmlns:a16="http://schemas.microsoft.com/office/drawing/2014/main" id="{48FB1CE3-E6DD-4357-956F-D4C81F91358E}"/>
+              </a:ext>
+            </a:extLst>
+          </p:cNvPr>
+          <p:cNvSpPr>
+            <a:spLocks noGrp="1"/>
+          </p:cNvSpPr>
+          <p:nvPr>
+            <p:ph type="title"/>
+          </p:nvPr>
+        </p:nvSpPr>
+        <p:spPr/>
+        <p:txBody>
+          <a:bodyPr/>
+          <a:lstStyle/>
+          <a:p>
+            <a:r>
+              <a:rPr lang="en-AU" dirty="0"/>
+              <a:t>Germany-Japan</a:t>
+            </a:r>
+            <a:endParaRPr lang="en-GB" dirty="0"/>
+          </a:p>
+        </p:txBody>
+      </p:sp>
+      <p:sp>
+        <p:nvSpPr>
+          <p:cNvPr id="4" name="Slide Number Placeholder 3">
+            <a:extLst>
+              <a:ext uri="{FF2B5EF4-FFF2-40B4-BE49-F238E27FC236}">
+                <a16:creationId xmlns:a16="http://schemas.microsoft.com/office/drawing/2014/main" id="{C29E3288-1182-4E80-8617-6E011960B236}"/>
+              </a:ext>
+            </a:extLst>
+          </p:cNvPr>
+          <p:cNvSpPr>
+            <a:spLocks noGrp="1"/>
+          </p:cNvSpPr>
+          <p:nvPr>
+            <p:ph type="sldNum" sz="quarter" idx="12"/>
+          </p:nvPr>
+        </p:nvSpPr>
+        <p:spPr/>
+        <p:txBody>
+          <a:bodyPr/>
+          <a:lstStyle/>
+          <a:p>
+            <a:pPr>
+              <a:defRPr/>
+            </a:pPr>
+            <a:fld id="{2B0FB755-1D62-448A-B6E9-65F667AFBE78}" type="slidenum">
+              <a:rPr lang="en-US" altLang="en-US" smtClean="0"/>
+              <a:pPr>
+                <a:defRPr/>
+              </a:pPr>
+              <a:t>13</a:t>
             </a:fld>
             <a:endParaRPr lang="en-US" altLang="en-US"/>
           </a:p>
@@ -3823,7 +4251,7 @@
 </p:sld>
 </file>
 
-<file path=ppt/slides/slide12.xml><?xml version="1.0" encoding="utf-8"?>
+<file path=ppt/slides/slide14.xml><?xml version="1.0" encoding="utf-8"?>
 <p:sld xmlns:a="http://schemas.openxmlformats.org/drawingml/2006/main" xmlns:r="http://schemas.openxmlformats.org/officeDocument/2006/relationships" xmlns:p="http://schemas.openxmlformats.org/presentationml/2006/main">
   <p:cSld>
     <p:spTree>
@@ -3898,7 +4326,7 @@
               <a:pPr>
                 <a:defRPr/>
               </a:pPr>
-              <a:t>12</a:t>
+              <a:t>14</a:t>
             </a:fld>
             <a:endParaRPr lang="en-US" altLang="en-US"/>
           </a:p>
@@ -3939,6 +4367,42 @@
           </a:prstGeom>
         </p:spPr>
       </p:pic>
+      <p:sp>
+        <p:nvSpPr>
+          <p:cNvPr id="5" name="TextBox 4">
+            <a:extLst>
+              <a:ext uri="{FF2B5EF4-FFF2-40B4-BE49-F238E27FC236}">
+                <a16:creationId xmlns:a16="http://schemas.microsoft.com/office/drawing/2014/main" id="{15805531-CD44-4C99-BF31-FDFF71142385}"/>
+              </a:ext>
+            </a:extLst>
+          </p:cNvPr>
+          <p:cNvSpPr txBox="1"/>
+          <p:nvPr/>
+        </p:nvSpPr>
+        <p:spPr>
+          <a:xfrm>
+            <a:off x="1696147" y="5517232"/>
+            <a:ext cx="5751703" cy="400110"/>
+          </a:xfrm>
+          <a:prstGeom prst="rect">
+            <a:avLst/>
+          </a:prstGeom>
+          <a:noFill/>
+        </p:spPr>
+        <p:txBody>
+          <a:bodyPr wrap="none" rtlCol="0">
+            <a:spAutoFit/>
+          </a:bodyPr>
+          <a:lstStyle/>
+          <a:p>
+            <a:r>
+              <a:rPr lang="en-AU" sz="2000" dirty="0"/>
+              <a:t>Maximum overpressure over inhabited areas: 18.3 pa</a:t>
+            </a:r>
+            <a:endParaRPr lang="en-GB" sz="2000" dirty="0"/>
+          </a:p>
+        </p:txBody>
+      </p:sp>
     </p:spTree>
     <p:extLst>
       <p:ext uri="{BB962C8B-B14F-4D97-AF65-F5344CB8AC3E}">
@@ -3952,7 +4416,7 @@
 </p:sld>
 </file>
 
-<file path=ppt/slides/slide13.xml><?xml version="1.0" encoding="utf-8"?>
+<file path=ppt/slides/slide15.xml><?xml version="1.0" encoding="utf-8"?>
 <p:sld xmlns:a="http://schemas.openxmlformats.org/drawingml/2006/main" xmlns:r="http://schemas.openxmlformats.org/officeDocument/2006/relationships" xmlns:p="http://schemas.openxmlformats.org/presentationml/2006/main">
   <p:cSld>
     <p:spTree>
@@ -4027,7 +4491,7 @@
               <a:pPr>
                 <a:defRPr/>
               </a:pPr>
-              <a:t>13</a:t>
+              <a:t>15</a:t>
             </a:fld>
             <a:endParaRPr lang="en-US" altLang="en-US"/>
           </a:p>
@@ -4169,7 +4633,7 @@
 </p:sld>
 </file>
 
-<file path=ppt/slides/slide14.xml><?xml version="1.0" encoding="utf-8"?>
+<file path=ppt/slides/slide16.xml><?xml version="1.0" encoding="utf-8"?>
 <p:sld xmlns:a="http://schemas.openxmlformats.org/drawingml/2006/main" xmlns:r="http://schemas.openxmlformats.org/officeDocument/2006/relationships" xmlns:p="http://schemas.openxmlformats.org/presentationml/2006/main">
   <p:cSld>
     <p:spTree>
@@ -4244,7 +4708,7 @@
               <a:pPr>
                 <a:defRPr/>
               </a:pPr>
-              <a:t>14</a:t>
+              <a:t>16</a:t>
             </a:fld>
             <a:endParaRPr lang="en-US" altLang="en-US"/>
           </a:p>
@@ -4275,7 +4739,7 @@
         </p:blipFill>
         <p:spPr bwMode="auto">
           <a:xfrm>
-            <a:off x="874077" y="2209800"/>
+            <a:off x="874077" y="1656080"/>
             <a:ext cx="7395845" cy="3545840"/>
           </a:xfrm>
           <a:prstGeom prst="rect">
@@ -4292,6 +4756,42 @@
           </a:extLst>
         </p:spPr>
       </p:pic>
+      <p:sp>
+        <p:nvSpPr>
+          <p:cNvPr id="6" name="TextBox 5">
+            <a:extLst>
+              <a:ext uri="{FF2B5EF4-FFF2-40B4-BE49-F238E27FC236}">
+                <a16:creationId xmlns:a16="http://schemas.microsoft.com/office/drawing/2014/main" id="{2D04526F-2BBB-4B79-A341-A86168653CB1}"/>
+              </a:ext>
+            </a:extLst>
+          </p:cNvPr>
+          <p:cNvSpPr txBox="1"/>
+          <p:nvPr/>
+        </p:nvSpPr>
+        <p:spPr>
+          <a:xfrm>
+            <a:off x="1696147" y="5471813"/>
+            <a:ext cx="5751703" cy="400110"/>
+          </a:xfrm>
+          <a:prstGeom prst="rect">
+            <a:avLst/>
+          </a:prstGeom>
+          <a:noFill/>
+        </p:spPr>
+        <p:txBody>
+          <a:bodyPr wrap="none" rtlCol="0">
+            <a:spAutoFit/>
+          </a:bodyPr>
+          <a:lstStyle/>
+          <a:p>
+            <a:r>
+              <a:rPr lang="en-AU" sz="2000" dirty="0"/>
+              <a:t>Maximum overpressure over inhabited areas: 74.7 pa</a:t>
+            </a:r>
+            <a:endParaRPr lang="en-GB" sz="2000" dirty="0"/>
+          </a:p>
+        </p:txBody>
+      </p:sp>
     </p:spTree>
     <p:extLst>
       <p:ext uri="{BB962C8B-B14F-4D97-AF65-F5344CB8AC3E}">
@@ -4305,7 +4805,7 @@
 </p:sld>
 </file>
 
-<file path=ppt/slides/slide15.xml><?xml version="1.0" encoding="utf-8"?>
+<file path=ppt/slides/slide17.xml><?xml version="1.0" encoding="utf-8"?>
 <p:sld xmlns:a="http://schemas.openxmlformats.org/drawingml/2006/main" xmlns:r="http://schemas.openxmlformats.org/officeDocument/2006/relationships" xmlns:p="http://schemas.openxmlformats.org/presentationml/2006/main">
   <p:cSld>
     <p:spTree>
@@ -4380,7 +4880,7 @@
               <a:pPr>
                 <a:defRPr/>
               </a:pPr>
-              <a:t>15</a:t>
+              <a:t>17</a:t>
             </a:fld>
             <a:endParaRPr lang="en-US" altLang="en-US"/>
           </a:p>
@@ -4522,7 +5022,7 @@
 </p:sld>
 </file>
 
-<file path=ppt/slides/slide16.xml><?xml version="1.0" encoding="utf-8"?>
+<file path=ppt/slides/slide18.xml><?xml version="1.0" encoding="utf-8"?>
 <p:sld xmlns:a="http://schemas.openxmlformats.org/drawingml/2006/main" xmlns:r="http://schemas.openxmlformats.org/officeDocument/2006/relationships" xmlns:p="http://schemas.openxmlformats.org/presentationml/2006/main">
   <p:cSld>
     <p:spTree>
@@ -4554,7 +5054,33 @@
           <a:bodyPr/>
           <a:lstStyle/>
           <a:p>
-            <a:endParaRPr lang="en-GB"/>
+            <a:r>
+              <a:rPr lang="en-AU" dirty="0" err="1"/>
+              <a:t>SpaceLiner</a:t>
+            </a:r>
+            <a:r>
+              <a:rPr lang="en-AU" dirty="0"/>
+              <a:t> trajectories successfully automated &amp; optimised using GPOPS-2</a:t>
+            </a:r>
+          </a:p>
+          <a:p>
+            <a:endParaRPr lang="en-AU" dirty="0"/>
+          </a:p>
+          <a:p>
+            <a:r>
+              <a:rPr lang="en-AU" dirty="0"/>
+              <a:t>Japan-Germany connection feasible</a:t>
+            </a:r>
+          </a:p>
+          <a:p>
+            <a:endParaRPr lang="en-AU" dirty="0"/>
+          </a:p>
+          <a:p>
+            <a:r>
+              <a:rPr lang="en-AU" dirty="0"/>
+              <a:t>Florida-Australia feasible, Australia-Florida potentially infeasible </a:t>
+            </a:r>
+            <a:endParaRPr lang="en-GB" dirty="0"/>
           </a:p>
         </p:txBody>
       </p:sp>
@@ -4626,7 +5152,7 @@
             <a:fld id="{18C7CB6D-895A-4F21-B0E7-2185F6FE5534}" type="slidenum">
               <a:rPr lang="en-GB" noProof="0" smtClean="0"/>
               <a:pPr/>
-              <a:t>16</a:t>
+              <a:t>18</a:t>
             </a:fld>
             <a:endParaRPr lang="en-GB" noProof="0" dirty="0"/>
           </a:p>
@@ -4645,7 +5171,7 @@
 </p:sld>
 </file>
 
-<file path=ppt/slides/slide17.xml><?xml version="1.0" encoding="utf-8"?>
+<file path=ppt/slides/slide19.xml><?xml version="1.0" encoding="utf-8"?>
 <p:sld xmlns:a="http://schemas.openxmlformats.org/drawingml/2006/main" xmlns:r="http://schemas.openxmlformats.org/officeDocument/2006/relationships" xmlns:p="http://schemas.openxmlformats.org/presentationml/2006/main">
   <p:cSld>
     <p:spTree>
@@ -4664,13 +5190,7 @@
       </p:grpSpPr>
       <p:sp>
         <p:nvSpPr>
-          <p:cNvPr id="2" name="Title 1">
-            <a:extLst>
-              <a:ext uri="{FF2B5EF4-FFF2-40B4-BE49-F238E27FC236}">
-                <a16:creationId xmlns:a16="http://schemas.microsoft.com/office/drawing/2014/main" id="{48FB1CE3-E6DD-4357-956F-D4C81F91358E}"/>
-              </a:ext>
-            </a:extLst>
-          </p:cNvPr>
+          <p:cNvPr id="2" name="Titel 1"/>
           <p:cNvSpPr>
             <a:spLocks noGrp="1"/>
           </p:cNvSpPr>
@@ -4678,14 +5198,19 @@
             <p:ph type="title"/>
           </p:nvPr>
         </p:nvSpPr>
-        <p:spPr/>
+        <p:spPr>
+          <a:xfrm>
+            <a:off x="3635896" y="2780928"/>
+            <a:ext cx="1872208" cy="738187"/>
+          </a:xfrm>
+        </p:spPr>
         <p:txBody>
           <a:bodyPr/>
           <a:lstStyle/>
           <a:p>
             <a:r>
               <a:rPr lang="en-AU" dirty="0"/>
-              <a:t>References</a:t>
+              <a:t>Thank You</a:t>
             </a:r>
             <a:endParaRPr lang="en-GB" dirty="0"/>
           </a:p>
@@ -4693,18 +5218,12 @@
       </p:sp>
       <p:sp>
         <p:nvSpPr>
-          <p:cNvPr id="3" name="Content Placeholder 2">
-            <a:extLst>
-              <a:ext uri="{FF2B5EF4-FFF2-40B4-BE49-F238E27FC236}">
-                <a16:creationId xmlns:a16="http://schemas.microsoft.com/office/drawing/2014/main" id="{2BE05133-3D6E-46CC-BC97-1FEB9033D353}"/>
-              </a:ext>
-            </a:extLst>
-          </p:cNvPr>
+          <p:cNvPr id="4" name="Fußzeilenplatzhalter 3"/>
           <p:cNvSpPr>
             <a:spLocks noGrp="1"/>
           </p:cNvSpPr>
           <p:nvPr>
-            <p:ph idx="1"/>
+            <p:ph type="ftr" sz="quarter" idx="13"/>
           </p:nvPr>
         </p:nvSpPr>
         <p:spPr/>
@@ -4712,38 +5231,22 @@
           <a:bodyPr/>
           <a:lstStyle/>
           <a:p>
-            <a:pPr marL="0" indent="0">
-              <a:buNone/>
-            </a:pPr>
-            <a:r>
-              <a:rPr lang="en-AU" dirty="0"/>
-              <a:t>[1] M. P. Kelly, T</a:t>
-            </a:r>
-            <a:r>
-              <a:rPr lang="en-GB" dirty="0" err="1"/>
-              <a:t>ranscription</a:t>
-            </a:r>
-            <a:r>
-              <a:rPr lang="en-GB" dirty="0"/>
-              <a:t> Methods for Trajectory Optimization, Cornell University, 2015</a:t>
-            </a:r>
-          </a:p>
-        </p:txBody>
-      </p:sp>
-      <p:sp>
-        <p:nvSpPr>
-          <p:cNvPr id="4" name="Slide Number Placeholder 3">
-            <a:extLst>
-              <a:ext uri="{FF2B5EF4-FFF2-40B4-BE49-F238E27FC236}">
-                <a16:creationId xmlns:a16="http://schemas.microsoft.com/office/drawing/2014/main" id="{C29E3288-1182-4E80-8617-6E011960B236}"/>
-              </a:ext>
-            </a:extLst>
-          </p:cNvPr>
+            <a:r>
+              <a:rPr lang="en-GB" noProof="0"/>
+              <a:t>&gt; Lecture &gt; Author  •  Document &gt; Date</a:t>
+            </a:r>
+            <a:endParaRPr lang="en-GB" noProof="0" dirty="0"/>
+          </a:p>
+        </p:txBody>
+      </p:sp>
+      <p:sp>
+        <p:nvSpPr>
+          <p:cNvPr id="5" name="Foliennummernplatzhalter 4"/>
           <p:cNvSpPr>
             <a:spLocks noGrp="1"/>
           </p:cNvSpPr>
           <p:nvPr>
-            <p:ph type="sldNum" sz="quarter" idx="12"/>
+            <p:ph type="sldNum" sz="quarter" idx="14"/>
           </p:nvPr>
         </p:nvSpPr>
         <p:spPr/>
@@ -4751,24 +5254,23 @@
           <a:bodyPr/>
           <a:lstStyle/>
           <a:p>
-            <a:pPr>
-              <a:defRPr/>
-            </a:pPr>
-            <a:fld id="{2B0FB755-1D62-448A-B6E9-65F667AFBE78}" type="slidenum">
-              <a:rPr lang="en-US" altLang="en-US" smtClean="0"/>
-              <a:pPr>
-                <a:defRPr/>
-              </a:pPr>
-              <a:t>17</a:t>
+            <a:r>
+              <a:rPr lang="en-GB" noProof="0"/>
+              <a:t>DLR.de  •  Chart </a:t>
+            </a:r>
+            <a:fld id="{18C7CB6D-895A-4F21-B0E7-2185F6FE5534}" type="slidenum">
+              <a:rPr lang="en-GB" noProof="0" smtClean="0"/>
+              <a:pPr/>
+              <a:t>19</a:t>
             </a:fld>
-            <a:endParaRPr lang="en-US" altLang="en-US"/>
+            <a:endParaRPr lang="en-GB" noProof="0" dirty="0"/>
           </a:p>
         </p:txBody>
       </p:sp>
     </p:spTree>
     <p:extLst>
       <p:ext uri="{BB962C8B-B14F-4D97-AF65-F5344CB8AC3E}">
-        <p14:creationId xmlns:p14="http://schemas.microsoft.com/office/powerpoint/2010/main" val="3131833689"/>
+        <p14:creationId xmlns:p14="http://schemas.microsoft.com/office/powerpoint/2010/main" val="1157086184"/>
       </p:ext>
     </p:extLst>
   </p:cSld>
@@ -4818,7 +5320,7 @@
           <a:p>
             <a:r>
               <a:rPr lang="en-AU" dirty="0"/>
-              <a:t>The </a:t>
+              <a:t>Introduction: The </a:t>
             </a:r>
             <a:r>
               <a:rPr lang="en-AU" dirty="0" err="1"/>
@@ -4939,7 +5441,7 @@
         </p:blipFill>
         <p:spPr bwMode="auto">
           <a:xfrm>
-            <a:off x="4716016" y="228350"/>
+            <a:off x="4860032" y="476672"/>
             <a:ext cx="4171950" cy="5562600"/>
           </a:xfrm>
           <a:prstGeom prst="rect">
@@ -4955,6 +5457,139 @@
     <p:extLst>
       <p:ext uri="{BB962C8B-B14F-4D97-AF65-F5344CB8AC3E}">
         <p14:creationId xmlns:p14="http://schemas.microsoft.com/office/powerpoint/2010/main" val="3855240324"/>
+      </p:ext>
+    </p:extLst>
+  </p:cSld>
+  <p:clrMapOvr>
+    <a:masterClrMapping/>
+  </p:clrMapOvr>
+</p:sld>
+</file>
+
+<file path=ppt/slides/slide20.xml><?xml version="1.0" encoding="utf-8"?>
+<p:sld xmlns:a="http://schemas.openxmlformats.org/drawingml/2006/main" xmlns:r="http://schemas.openxmlformats.org/officeDocument/2006/relationships" xmlns:p="http://schemas.openxmlformats.org/presentationml/2006/main">
+  <p:cSld>
+    <p:spTree>
+      <p:nvGrpSpPr>
+        <p:cNvPr id="1" name=""/>
+        <p:cNvGrpSpPr/>
+        <p:nvPr/>
+      </p:nvGrpSpPr>
+      <p:grpSpPr>
+        <a:xfrm>
+          <a:off x="0" y="0"/>
+          <a:ext cx="0" cy="0"/>
+          <a:chOff x="0" y="0"/>
+          <a:chExt cx="0" cy="0"/>
+        </a:xfrm>
+      </p:grpSpPr>
+      <p:sp>
+        <p:nvSpPr>
+          <p:cNvPr id="2" name="Title 1">
+            <a:extLst>
+              <a:ext uri="{FF2B5EF4-FFF2-40B4-BE49-F238E27FC236}">
+                <a16:creationId xmlns:a16="http://schemas.microsoft.com/office/drawing/2014/main" id="{48FB1CE3-E6DD-4357-956F-D4C81F91358E}"/>
+              </a:ext>
+            </a:extLst>
+          </p:cNvPr>
+          <p:cNvSpPr>
+            <a:spLocks noGrp="1"/>
+          </p:cNvSpPr>
+          <p:nvPr>
+            <p:ph type="title"/>
+          </p:nvPr>
+        </p:nvSpPr>
+        <p:spPr/>
+        <p:txBody>
+          <a:bodyPr/>
+          <a:lstStyle/>
+          <a:p>
+            <a:r>
+              <a:rPr lang="en-AU" dirty="0"/>
+              <a:t>References</a:t>
+            </a:r>
+            <a:endParaRPr lang="en-GB" dirty="0"/>
+          </a:p>
+        </p:txBody>
+      </p:sp>
+      <p:sp>
+        <p:nvSpPr>
+          <p:cNvPr id="3" name="Content Placeholder 2">
+            <a:extLst>
+              <a:ext uri="{FF2B5EF4-FFF2-40B4-BE49-F238E27FC236}">
+                <a16:creationId xmlns:a16="http://schemas.microsoft.com/office/drawing/2014/main" id="{2BE05133-3D6E-46CC-BC97-1FEB9033D353}"/>
+              </a:ext>
+            </a:extLst>
+          </p:cNvPr>
+          <p:cNvSpPr>
+            <a:spLocks noGrp="1"/>
+          </p:cNvSpPr>
+          <p:nvPr>
+            <p:ph idx="1"/>
+          </p:nvPr>
+        </p:nvSpPr>
+        <p:spPr/>
+        <p:txBody>
+          <a:bodyPr/>
+          <a:lstStyle/>
+          <a:p>
+            <a:pPr marL="0" indent="0">
+              <a:buNone/>
+            </a:pPr>
+            <a:r>
+              <a:rPr lang="en-AU" dirty="0"/>
+              <a:t>[1] M. P. Kelly, T</a:t>
+            </a:r>
+            <a:r>
+              <a:rPr lang="en-GB" dirty="0" err="1"/>
+              <a:t>ranscription</a:t>
+            </a:r>
+            <a:r>
+              <a:rPr lang="en-GB" dirty="0"/>
+              <a:t> Methods for Trajectory Optimization, Cornell University, 2015</a:t>
+            </a:r>
+          </a:p>
+        </p:txBody>
+      </p:sp>
+      <p:sp>
+        <p:nvSpPr>
+          <p:cNvPr id="4" name="Slide Number Placeholder 3">
+            <a:extLst>
+              <a:ext uri="{FF2B5EF4-FFF2-40B4-BE49-F238E27FC236}">
+                <a16:creationId xmlns:a16="http://schemas.microsoft.com/office/drawing/2014/main" id="{C29E3288-1182-4E80-8617-6E011960B236}"/>
+              </a:ext>
+            </a:extLst>
+          </p:cNvPr>
+          <p:cNvSpPr>
+            <a:spLocks noGrp="1"/>
+          </p:cNvSpPr>
+          <p:nvPr>
+            <p:ph type="sldNum" sz="quarter" idx="12"/>
+          </p:nvPr>
+        </p:nvSpPr>
+        <p:spPr/>
+        <p:txBody>
+          <a:bodyPr/>
+          <a:lstStyle/>
+          <a:p>
+            <a:pPr>
+              <a:defRPr/>
+            </a:pPr>
+            <a:fld id="{2B0FB755-1D62-448A-B6E9-65F667AFBE78}" type="slidenum">
+              <a:rPr lang="en-US" altLang="en-US" smtClean="0"/>
+              <a:pPr>
+                <a:defRPr/>
+              </a:pPr>
+              <a:t>20</a:t>
+            </a:fld>
+            <a:endParaRPr lang="en-US" altLang="en-US"/>
+          </a:p>
+        </p:txBody>
+      </p:sp>
+    </p:spTree>
+    <p:extLst>
+      <p:ext uri="{BB962C8B-B14F-4D97-AF65-F5344CB8AC3E}">
+        <p14:creationId xmlns:p14="http://schemas.microsoft.com/office/powerpoint/2010/main" val="3131833689"/>
       </p:ext>
     </p:extLst>
   </p:cSld>
@@ -5033,38 +5668,67 @@
           <a:p>
             <a:r>
               <a:rPr lang="en-AU" dirty="0"/>
-              <a:t>Sonic booms may create large overpressure</a:t>
+              <a:t>Trajectories to be simulated:</a:t>
+            </a:r>
+          </a:p>
+          <a:p>
+            <a:pPr lvl="1"/>
+            <a:r>
+              <a:rPr lang="en-AU" dirty="0"/>
+              <a:t>Asia-Europe</a:t>
+            </a:r>
+          </a:p>
+          <a:p>
+            <a:pPr lvl="1"/>
+            <a:r>
+              <a:rPr lang="en-AU" dirty="0"/>
+              <a:t>Australia-Florida</a:t>
             </a:r>
           </a:p>
           <a:p>
             <a:endParaRPr lang="en-AU" dirty="0"/>
           </a:p>
           <a:p>
+            <a:r>
+              <a:rPr lang="en-AU" dirty="0"/>
+              <a:t>Sonic booms may create large overpressure causing:</a:t>
+            </a:r>
+          </a:p>
+          <a:p>
+            <a:pPr lvl="1"/>
+            <a:r>
+              <a:rPr lang="en-AU" dirty="0"/>
+              <a:t>Minor/major irritation</a:t>
+            </a:r>
+          </a:p>
+          <a:p>
+            <a:pPr lvl="1"/>
+            <a:r>
+              <a:rPr lang="en-AU" dirty="0"/>
+              <a:t>Structural damage to buildings</a:t>
+            </a:r>
+          </a:p>
+          <a:p>
+            <a:pPr lvl="1"/>
+            <a:r>
+              <a:rPr lang="en-AU" dirty="0"/>
+              <a:t>Actual bodily harm</a:t>
+            </a:r>
+          </a:p>
+          <a:p>
             <a:endParaRPr lang="en-AU" dirty="0"/>
           </a:p>
           <a:p>
-            <a:endParaRPr lang="en-AU" dirty="0"/>
-          </a:p>
-          <a:p>
-            <a:endParaRPr lang="en-AU" dirty="0"/>
-          </a:p>
-          <a:p>
-            <a:endParaRPr lang="en-AU" dirty="0"/>
-          </a:p>
-          <a:p>
-            <a:endParaRPr lang="en-AU" dirty="0"/>
-          </a:p>
-          <a:p>
             <a:r>
               <a:rPr lang="en-AU" dirty="0"/>
-              <a:t>Goals:</a:t>
+              <a:t>Trajectory to be optimised towards:</a:t>
             </a:r>
           </a:p>
           <a:p>
             <a:pPr lvl="1"/>
             <a:r>
               <a:rPr lang="en-AU" dirty="0"/>
-              <a:t>Avoid significant population annoyance </a:t>
+              <a:t>Avoid significant population impact</a:t>
             </a:r>
           </a:p>
           <a:p>
@@ -5222,7 +5886,7 @@
             </p:nvSpPr>
             <p:spPr>
               <a:xfrm>
-                <a:off x="838200" y="2133600"/>
+                <a:off x="838200" y="2060848"/>
                 <a:ext cx="7467600" cy="4164666"/>
               </a:xfrm>
               <a:prstGeom prst="rect">
@@ -5776,7 +6440,7 @@
             </p:nvSpPr>
             <p:spPr>
               <a:xfrm>
-                <a:off x="838200" y="2133600"/>
+                <a:off x="838200" y="2060848"/>
                 <a:ext cx="7467600" cy="4164666"/>
               </a:xfrm>
               <a:prstGeom prst="rect">
@@ -5804,6 +6468,40 @@
           </p:sp>
         </mc:Fallback>
       </mc:AlternateContent>
+      <p:sp>
+        <p:nvSpPr>
+          <p:cNvPr id="6" name="Content Placeholder 2">
+            <a:extLst>
+              <a:ext uri="{FF2B5EF4-FFF2-40B4-BE49-F238E27FC236}">
+                <a16:creationId xmlns:a16="http://schemas.microsoft.com/office/drawing/2014/main" id="{FCCB2EEF-E4AC-46EC-8F1D-CFEF495C2E52}"/>
+              </a:ext>
+            </a:extLst>
+          </p:cNvPr>
+          <p:cNvSpPr>
+            <a:spLocks noGrp="1"/>
+          </p:cNvSpPr>
+          <p:nvPr>
+            <p:ph idx="1"/>
+          </p:nvPr>
+        </p:nvSpPr>
+        <p:spPr>
+          <a:xfrm>
+            <a:off x="485999" y="1323248"/>
+            <a:ext cx="8172000" cy="4338000"/>
+          </a:xfrm>
+        </p:spPr>
+        <p:txBody>
+          <a:bodyPr/>
+          <a:lstStyle/>
+          <a:p>
+            <a:r>
+              <a:rPr lang="en-AU" dirty="0"/>
+              <a:t>An general, automatic method of trajectory calculation</a:t>
+            </a:r>
+            <a:endParaRPr lang="en-GB" dirty="0"/>
+          </a:p>
+        </p:txBody>
+      </p:sp>
     </p:spTree>
     <p:extLst>
       <p:ext uri="{BB962C8B-B14F-4D97-AF65-F5344CB8AC3E}">
@@ -6116,31 +6814,6 @@
       </p:sp>
       <p:sp>
         <p:nvSpPr>
-          <p:cNvPr id="3" name="Content Placeholder 2">
-            <a:extLst>
-              <a:ext uri="{FF2B5EF4-FFF2-40B4-BE49-F238E27FC236}">
-                <a16:creationId xmlns:a16="http://schemas.microsoft.com/office/drawing/2014/main" id="{86568E91-1CD4-42D5-A0AA-02E3BF061AA7}"/>
-              </a:ext>
-            </a:extLst>
-          </p:cNvPr>
-          <p:cNvSpPr>
-            <a:spLocks noGrp="1"/>
-          </p:cNvSpPr>
-          <p:nvPr>
-            <p:ph idx="1"/>
-          </p:nvPr>
-        </p:nvSpPr>
-        <p:spPr/>
-        <p:txBody>
-          <a:bodyPr/>
-          <a:lstStyle/>
-          <a:p>
-            <a:endParaRPr lang="en-GB" dirty="0"/>
-          </a:p>
-        </p:txBody>
-      </p:sp>
-      <p:sp>
-        <p:nvSpPr>
           <p:cNvPr id="4" name="Slide Number Placeholder 3">
             <a:extLst>
               <a:ext uri="{FF2B5EF4-FFF2-40B4-BE49-F238E27FC236}">
@@ -6190,8 +6863,8 @@
             </p:nvSpPr>
             <p:spPr>
               <a:xfrm>
-                <a:off x="1219200" y="2501844"/>
-                <a:ext cx="6934200" cy="994118"/>
+                <a:off x="-108520" y="1844824"/>
+                <a:ext cx="6934200" cy="768672"/>
               </a:xfrm>
               <a:prstGeom prst="rect">
                 <a:avLst/>
@@ -6211,10 +6884,10 @@
                     </m:oMathParaPr>
                     <m:oMath xmlns:m="http://schemas.openxmlformats.org/officeDocument/2006/math">
                       <m:r>
-                        <a:rPr lang="en-GB" i="1" smtClean="0">
+                        <a:rPr lang="en-AU" b="0" i="1" smtClean="0">
                           <a:latin typeface="Cambria Math" panose="02040503050406030204" pitchFamily="18" charset="0"/>
                         </a:rPr>
-                        <m:t>𝐶</m:t>
+                        <m:t>𝐽</m:t>
                       </m:r>
                       <m:r>
                         <a:rPr lang="en-GB" i="0">
@@ -6503,8 +7176,8 @@
             </p:nvSpPr>
             <p:spPr>
               <a:xfrm>
-                <a:off x="1219200" y="2501844"/>
-                <a:ext cx="6934200" cy="994118"/>
+                <a:off x="-108520" y="1844824"/>
+                <a:ext cx="6934200" cy="768672"/>
               </a:xfrm>
               <a:prstGeom prst="rect">
                 <a:avLst/>
@@ -6513,6 +7186,1433 @@
                 <a:blip r:embed="rId2"/>
                 <a:stretch>
                   <a:fillRect/>
+                </a:stretch>
+              </a:blipFill>
+            </p:spPr>
+            <p:txBody>
+              <a:bodyPr/>
+              <a:lstStyle/>
+              <a:p>
+                <a:r>
+                  <a:rPr lang="en-GB">
+                    <a:noFill/>
+                  </a:rPr>
+                  <a:t> </a:t>
+                </a:r>
+              </a:p>
+            </p:txBody>
+          </p:sp>
+        </mc:Fallback>
+      </mc:AlternateContent>
+      <mc:AlternateContent xmlns:mc="http://schemas.openxmlformats.org/markup-compatibility/2006" xmlns:a14="http://schemas.microsoft.com/office/drawing/2010/main">
+        <mc:Choice Requires="a14">
+          <p:sp>
+            <p:nvSpPr>
+              <p:cNvPr id="6" name="Rectangle 5">
+                <a:extLst>
+                  <a:ext uri="{FF2B5EF4-FFF2-40B4-BE49-F238E27FC236}">
+                    <a16:creationId xmlns:a16="http://schemas.microsoft.com/office/drawing/2014/main" id="{5F46C904-6819-4E4A-ABD4-EC7E9241157B}"/>
+                  </a:ext>
+                </a:extLst>
+              </p:cNvPr>
+              <p:cNvSpPr/>
+              <p:nvPr/>
+            </p:nvSpPr>
+            <p:spPr>
+              <a:xfrm>
+                <a:off x="6588224" y="1352537"/>
+                <a:ext cx="1891864" cy="688650"/>
+              </a:xfrm>
+              <a:prstGeom prst="rect">
+                <a:avLst/>
+              </a:prstGeom>
+            </p:spPr>
+            <p:txBody>
+              <a:bodyPr wrap="none">
+                <a:spAutoFit/>
+              </a:bodyPr>
+              <a:lstStyle/>
+              <a:p>
+                <a:pPr/>
+                <a14:m>
+                  <m:oMathPara xmlns:m="http://schemas.openxmlformats.org/officeDocument/2006/math">
+                    <m:oMathParaPr>
+                      <m:jc m:val="centerGroup"/>
+                    </m:oMathParaPr>
+                    <m:oMath xmlns:m="http://schemas.openxmlformats.org/officeDocument/2006/math">
+                      <m:d>
+                        <m:dPr>
+                          <m:ctrlPr>
+                            <a:rPr lang="en-GB" i="1">
+                              <a:latin typeface="Cambria Math" panose="02040503050406030204" pitchFamily="18" charset="0"/>
+                            </a:rPr>
+                          </m:ctrlPr>
+                        </m:dPr>
+                        <m:e>
+                          <m:sSub>
+                            <m:sSubPr>
+                              <m:ctrlPr>
+                                <a:rPr lang="en-GB" i="1">
+                                  <a:latin typeface="Cambria Math" panose="02040503050406030204" pitchFamily="18" charset="0"/>
+                                </a:rPr>
+                              </m:ctrlPr>
+                            </m:sSubPr>
+                            <m:e>
+                              <m:r>
+                                <a:rPr lang="en-GB" i="1">
+                                  <a:latin typeface="Cambria Math" panose="02040503050406030204" pitchFamily="18" charset="0"/>
+                                </a:rPr>
+                                <m:t>𝑎𝑙𝑡</m:t>
+                              </m:r>
+                            </m:e>
+                            <m:sub>
+                              <m:r>
+                                <a:rPr lang="en-GB" i="1">
+                                  <a:latin typeface="Cambria Math" panose="02040503050406030204" pitchFamily="18" charset="0"/>
+                                </a:rPr>
+                                <m:t>𝑡𝑎𝑟𝑔𝑒𝑡</m:t>
+                              </m:r>
+                            </m:sub>
+                          </m:sSub>
+                          <m:r>
+                            <a:rPr lang="en-GB">
+                              <a:latin typeface="Cambria Math" panose="02040503050406030204" pitchFamily="18" charset="0"/>
+                            </a:rPr>
+                            <m:t>−</m:t>
+                          </m:r>
+                          <m:r>
+                            <a:rPr lang="en-GB" b="1" i="1">
+                              <a:latin typeface="Cambria Math" panose="02040503050406030204" pitchFamily="18" charset="0"/>
+                            </a:rPr>
+                            <m:t>𝒂𝒍𝒕</m:t>
+                          </m:r>
+                        </m:e>
+                      </m:d>
+                    </m:oMath>
+                  </m:oMathPara>
+                </a14:m>
+                <a:endParaRPr lang="en-GB" dirty="0"/>
+              </a:p>
+              <a:p>
+                <a:pPr algn="ctr"/>
+                <a:r>
+                  <a:rPr lang="en-AU" dirty="0"/>
+                  <a:t>Altitude Scaling</a:t>
+                </a:r>
+                <a:endParaRPr lang="en-GB" dirty="0"/>
+              </a:p>
+            </p:txBody>
+          </p:sp>
+        </mc:Choice>
+        <mc:Fallback xmlns="">
+          <p:sp>
+            <p:nvSpPr>
+              <p:cNvPr id="6" name="Rectangle 5">
+                <a:extLst>
+                  <a:ext uri="{FF2B5EF4-FFF2-40B4-BE49-F238E27FC236}">
+                    <a16:creationId xmlns:a16="http://schemas.microsoft.com/office/drawing/2014/main" id="{5F46C904-6819-4E4A-ABD4-EC7E9241157B}"/>
+                  </a:ext>
+                </a:extLst>
+              </p:cNvPr>
+              <p:cNvSpPr>
+                <a:spLocks noRot="1" noChangeAspect="1" noMove="1" noResize="1" noEditPoints="1" noAdjustHandles="1" noChangeArrowheads="1" noChangeShapeType="1" noTextEdit="1"/>
+              </p:cNvSpPr>
+              <p:nvPr/>
+            </p:nvSpPr>
+            <p:spPr>
+              <a:xfrm>
+                <a:off x="6588224" y="1352537"/>
+                <a:ext cx="1891864" cy="688650"/>
+              </a:xfrm>
+              <a:prstGeom prst="rect">
+                <a:avLst/>
+              </a:prstGeom>
+              <a:blipFill>
+                <a:blip r:embed="rId3"/>
+                <a:stretch>
+                  <a:fillRect b="-13274"/>
+                </a:stretch>
+              </a:blipFill>
+            </p:spPr>
+            <p:txBody>
+              <a:bodyPr/>
+              <a:lstStyle/>
+              <a:p>
+                <a:r>
+                  <a:rPr lang="en-GB">
+                    <a:noFill/>
+                  </a:rPr>
+                  <a:t> </a:t>
+                </a:r>
+              </a:p>
+            </p:txBody>
+          </p:sp>
+        </mc:Fallback>
+      </mc:AlternateContent>
+      <mc:AlternateContent xmlns:mc="http://schemas.openxmlformats.org/markup-compatibility/2006" xmlns:a14="http://schemas.microsoft.com/office/drawing/2010/main">
+        <mc:Choice Requires="a14">
+          <p:sp>
+            <p:nvSpPr>
+              <p:cNvPr id="7" name="Rectangle 6">
+                <a:extLst>
+                  <a:ext uri="{FF2B5EF4-FFF2-40B4-BE49-F238E27FC236}">
+                    <a16:creationId xmlns:a16="http://schemas.microsoft.com/office/drawing/2014/main" id="{35C19A87-F2C8-465E-9B9F-F6198C60C452}"/>
+                  </a:ext>
+                </a:extLst>
+              </p:cNvPr>
+              <p:cNvSpPr/>
+              <p:nvPr/>
+            </p:nvSpPr>
+            <p:spPr>
+              <a:xfrm>
+                <a:off x="6689309" y="2376392"/>
+                <a:ext cx="1810880" cy="646331"/>
+              </a:xfrm>
+              <a:prstGeom prst="rect">
+                <a:avLst/>
+              </a:prstGeom>
+            </p:spPr>
+            <p:txBody>
+              <a:bodyPr wrap="none">
+                <a:spAutoFit/>
+              </a:bodyPr>
+              <a:lstStyle/>
+              <a:p>
+                <a:pPr algn="ctr"/>
+                <a14:m>
+                  <m:oMathPara xmlns:m="http://schemas.openxmlformats.org/officeDocument/2006/math">
+                    <m:oMathParaPr>
+                      <m:jc m:val="centerGroup"/>
+                    </m:oMathParaPr>
+                    <m:oMath xmlns:m="http://schemas.openxmlformats.org/officeDocument/2006/math">
+                      <m:r>
+                        <a:rPr lang="en-GB" b="1" i="1">
+                          <a:latin typeface="Cambria Math" panose="02040503050406030204" pitchFamily="18" charset="0"/>
+                        </a:rPr>
+                        <m:t>𝑷</m:t>
+                      </m:r>
+                      <m:r>
+                        <a:rPr lang="en-GB">
+                          <a:latin typeface="Cambria Math" panose="02040503050406030204" pitchFamily="18" charset="0"/>
+                        </a:rPr>
+                        <m:t>(</m:t>
+                      </m:r>
+                      <m:r>
+                        <a:rPr lang="en-GB" b="1" i="1">
+                          <a:latin typeface="Cambria Math" panose="02040503050406030204" pitchFamily="18" charset="0"/>
+                        </a:rPr>
+                        <m:t>𝒍𝒐𝒏</m:t>
+                      </m:r>
+                      <m:r>
+                        <a:rPr lang="en-GB">
+                          <a:latin typeface="Cambria Math" panose="02040503050406030204" pitchFamily="18" charset="0"/>
+                        </a:rPr>
+                        <m:t>,</m:t>
+                      </m:r>
+                      <m:r>
+                        <a:rPr lang="en-GB" b="1" i="1">
+                          <a:latin typeface="Cambria Math" panose="02040503050406030204" pitchFamily="18" charset="0"/>
+                        </a:rPr>
+                        <m:t>𝒍𝒂𝒕</m:t>
+                      </m:r>
+                      <m:r>
+                        <a:rPr lang="en-GB">
+                          <a:latin typeface="Cambria Math" panose="02040503050406030204" pitchFamily="18" charset="0"/>
+                        </a:rPr>
+                        <m:t>,</m:t>
+                      </m:r>
+                      <m:r>
+                        <a:rPr lang="en-GB" b="1" i="1">
+                          <a:latin typeface="Cambria Math" panose="02040503050406030204" pitchFamily="18" charset="0"/>
+                        </a:rPr>
+                        <m:t>𝒂𝒍𝒕</m:t>
+                      </m:r>
+                      <m:r>
+                        <a:rPr lang="en-GB">
+                          <a:latin typeface="Cambria Math" panose="02040503050406030204" pitchFamily="18" charset="0"/>
+                        </a:rPr>
+                        <m:t>)</m:t>
+                      </m:r>
+                    </m:oMath>
+                  </m:oMathPara>
+                </a14:m>
+                <a:endParaRPr lang="en-GB" dirty="0"/>
+              </a:p>
+              <a:p>
+                <a:pPr algn="ctr"/>
+                <a:r>
+                  <a:rPr lang="en-AU" dirty="0"/>
+                  <a:t>P</a:t>
+                </a:r>
+                <a:r>
+                  <a:rPr lang="en-GB" dirty="0" err="1"/>
+                  <a:t>opulation</a:t>
+                </a:r>
+                <a:r>
+                  <a:rPr lang="en-GB" dirty="0"/>
+                  <a:t> Cost</a:t>
+                </a:r>
+              </a:p>
+            </p:txBody>
+          </p:sp>
+        </mc:Choice>
+        <mc:Fallback xmlns="">
+          <p:sp>
+            <p:nvSpPr>
+              <p:cNvPr id="7" name="Rectangle 6">
+                <a:extLst>
+                  <a:ext uri="{FF2B5EF4-FFF2-40B4-BE49-F238E27FC236}">
+                    <a16:creationId xmlns:a16="http://schemas.microsoft.com/office/drawing/2014/main" id="{35C19A87-F2C8-465E-9B9F-F6198C60C452}"/>
+                  </a:ext>
+                </a:extLst>
+              </p:cNvPr>
+              <p:cNvSpPr>
+                <a:spLocks noRot="1" noChangeAspect="1" noMove="1" noResize="1" noEditPoints="1" noAdjustHandles="1" noChangeArrowheads="1" noChangeShapeType="1" noTextEdit="1"/>
+              </p:cNvSpPr>
+              <p:nvPr/>
+            </p:nvSpPr>
+            <p:spPr>
+              <a:xfrm>
+                <a:off x="6689309" y="2376392"/>
+                <a:ext cx="1810880" cy="646331"/>
+              </a:xfrm>
+              <a:prstGeom prst="rect">
+                <a:avLst/>
+              </a:prstGeom>
+              <a:blipFill>
+                <a:blip r:embed="rId4"/>
+                <a:stretch>
+                  <a:fillRect b="-14151"/>
+                </a:stretch>
+              </a:blipFill>
+            </p:spPr>
+            <p:txBody>
+              <a:bodyPr/>
+              <a:lstStyle/>
+              <a:p>
+                <a:r>
+                  <a:rPr lang="en-GB">
+                    <a:noFill/>
+                  </a:rPr>
+                  <a:t> </a:t>
+                </a:r>
+              </a:p>
+            </p:txBody>
+          </p:sp>
+        </mc:Fallback>
+      </mc:AlternateContent>
+      <mc:AlternateContent xmlns:mc="http://schemas.openxmlformats.org/markup-compatibility/2006" xmlns:a14="http://schemas.microsoft.com/office/drawing/2010/main">
+        <mc:Choice Requires="a14">
+          <p:sp>
+            <p:nvSpPr>
+              <p:cNvPr id="8" name="Rectangle 7">
+                <a:extLst>
+                  <a:ext uri="{FF2B5EF4-FFF2-40B4-BE49-F238E27FC236}">
+                    <a16:creationId xmlns:a16="http://schemas.microsoft.com/office/drawing/2014/main" id="{5C2D8A78-1FEF-4FBF-97E9-4290EA0FD564}"/>
+                  </a:ext>
+                </a:extLst>
+              </p:cNvPr>
+              <p:cNvSpPr/>
+              <p:nvPr/>
+            </p:nvSpPr>
+            <p:spPr>
+              <a:xfrm>
+                <a:off x="7010166" y="3357928"/>
+                <a:ext cx="1134734" cy="646331"/>
+              </a:xfrm>
+              <a:prstGeom prst="rect">
+                <a:avLst/>
+              </a:prstGeom>
+            </p:spPr>
+            <p:txBody>
+              <a:bodyPr wrap="none">
+                <a:spAutoFit/>
+              </a:bodyPr>
+              <a:lstStyle/>
+              <a:p>
+                <a:pPr algn="ctr"/>
+                <a14:m>
+                  <m:oMathPara xmlns:m="http://schemas.openxmlformats.org/officeDocument/2006/math">
+                    <m:oMathParaPr>
+                      <m:jc m:val="centerGroup"/>
+                    </m:oMathParaPr>
+                    <m:oMath xmlns:m="http://schemas.openxmlformats.org/officeDocument/2006/math">
+                      <m:r>
+                        <a:rPr lang="en-AU" b="1" i="1" smtClean="0">
+                          <a:latin typeface="Cambria Math" panose="02040503050406030204" pitchFamily="18" charset="0"/>
+                        </a:rPr>
+                        <m:t>𝑸</m:t>
+                      </m:r>
+                    </m:oMath>
+                  </m:oMathPara>
+                </a14:m>
+                <a:endParaRPr lang="en-AU" b="1" dirty="0"/>
+              </a:p>
+              <a:p>
+                <a:pPr algn="ctr"/>
+                <a:r>
+                  <a:rPr lang="en-AU" dirty="0"/>
+                  <a:t>Heat Load</a:t>
+                </a:r>
+                <a:endParaRPr lang="en-GB" dirty="0"/>
+              </a:p>
+            </p:txBody>
+          </p:sp>
+        </mc:Choice>
+        <mc:Fallback xmlns="">
+          <p:sp>
+            <p:nvSpPr>
+              <p:cNvPr id="8" name="Rectangle 7">
+                <a:extLst>
+                  <a:ext uri="{FF2B5EF4-FFF2-40B4-BE49-F238E27FC236}">
+                    <a16:creationId xmlns:a16="http://schemas.microsoft.com/office/drawing/2014/main" id="{5C2D8A78-1FEF-4FBF-97E9-4290EA0FD564}"/>
+                  </a:ext>
+                </a:extLst>
+              </p:cNvPr>
+              <p:cNvSpPr>
+                <a:spLocks noRot="1" noChangeAspect="1" noMove="1" noResize="1" noEditPoints="1" noAdjustHandles="1" noChangeArrowheads="1" noChangeShapeType="1" noTextEdit="1"/>
+              </p:cNvSpPr>
+              <p:nvPr/>
+            </p:nvSpPr>
+            <p:spPr>
+              <a:xfrm>
+                <a:off x="7010166" y="3357928"/>
+                <a:ext cx="1134734" cy="646331"/>
+              </a:xfrm>
+              <a:prstGeom prst="rect">
+                <a:avLst/>
+              </a:prstGeom>
+              <a:blipFill>
+                <a:blip r:embed="rId5"/>
+                <a:stretch>
+                  <a:fillRect l="-4301" r="-4301" b="-14151"/>
+                </a:stretch>
+              </a:blipFill>
+            </p:spPr>
+            <p:txBody>
+              <a:bodyPr/>
+              <a:lstStyle/>
+              <a:p>
+                <a:r>
+                  <a:rPr lang="en-GB">
+                    <a:noFill/>
+                  </a:rPr>
+                  <a:t> </a:t>
+                </a:r>
+              </a:p>
+            </p:txBody>
+          </p:sp>
+        </mc:Fallback>
+      </mc:AlternateContent>
+      <mc:AlternateContent xmlns:mc="http://schemas.openxmlformats.org/markup-compatibility/2006" xmlns:a14="http://schemas.microsoft.com/office/drawing/2010/main">
+        <mc:Choice Requires="a14">
+          <p:sp>
+            <p:nvSpPr>
+              <p:cNvPr id="9" name="Rectangle 8">
+                <a:extLst>
+                  <a:ext uri="{FF2B5EF4-FFF2-40B4-BE49-F238E27FC236}">
+                    <a16:creationId xmlns:a16="http://schemas.microsoft.com/office/drawing/2014/main" id="{880A56E1-4469-4C13-BD31-E3E6877E2E9B}"/>
+                  </a:ext>
+                </a:extLst>
+              </p:cNvPr>
+              <p:cNvSpPr/>
+              <p:nvPr/>
+            </p:nvSpPr>
+            <p:spPr>
+              <a:xfrm>
+                <a:off x="6663532" y="4339464"/>
+                <a:ext cx="1862433" cy="646331"/>
+              </a:xfrm>
+              <a:prstGeom prst="rect">
+                <a:avLst/>
+              </a:prstGeom>
+            </p:spPr>
+            <p:txBody>
+              <a:bodyPr wrap="none">
+                <a:spAutoFit/>
+              </a:bodyPr>
+              <a:lstStyle/>
+              <a:p>
+                <a:pPr algn="ctr"/>
+                <a14:m>
+                  <m:oMath xmlns:m="http://schemas.openxmlformats.org/officeDocument/2006/math">
+                    <m:sSub>
+                      <m:sSubPr>
+                        <m:ctrlPr>
+                          <a:rPr lang="en-GB" b="1" i="1" smtClean="0">
+                            <a:latin typeface="Cambria Math" panose="02040503050406030204" pitchFamily="18" charset="0"/>
+                          </a:rPr>
+                        </m:ctrlPr>
+                      </m:sSubPr>
+                      <m:e>
+                        <m:r>
+                          <a:rPr lang="en-GB" i="1">
+                            <a:latin typeface="Cambria Math" panose="02040503050406030204" pitchFamily="18" charset="0"/>
+                          </a:rPr>
+                          <m:t>𝑐</m:t>
+                        </m:r>
+                      </m:e>
+                      <m:sub>
+                        <m:r>
+                          <a:rPr lang="en-GB">
+                            <a:latin typeface="Cambria Math" panose="02040503050406030204" pitchFamily="18" charset="0"/>
+                          </a:rPr>
+                          <m:t>1</m:t>
+                        </m:r>
+                      </m:sub>
+                    </m:sSub>
+                  </m:oMath>
+                </a14:m>
+                <a:r>
+                  <a:rPr lang="en-GB" dirty="0"/>
+                  <a:t>, </a:t>
+                </a:r>
+                <a14:m>
+                  <m:oMath xmlns:m="http://schemas.openxmlformats.org/officeDocument/2006/math">
+                    <m:sSub>
+                      <m:sSubPr>
+                        <m:ctrlPr>
+                          <a:rPr lang="en-GB" i="1">
+                            <a:latin typeface="Cambria Math" panose="02040503050406030204" pitchFamily="18" charset="0"/>
+                          </a:rPr>
+                        </m:ctrlPr>
+                      </m:sSubPr>
+                      <m:e>
+                        <m:r>
+                          <a:rPr lang="en-GB" b="0" i="1">
+                            <a:latin typeface="Cambria Math" panose="02040503050406030204" pitchFamily="18" charset="0"/>
+                          </a:rPr>
+                          <m:t>𝑐</m:t>
+                        </m:r>
+                      </m:e>
+                      <m:sub>
+                        <m:r>
+                          <a:rPr lang="en-AU" b="0" i="0" smtClean="0">
+                            <a:latin typeface="Cambria Math" panose="02040503050406030204" pitchFamily="18" charset="0"/>
+                          </a:rPr>
+                          <m:t>2</m:t>
+                        </m:r>
+                      </m:sub>
+                    </m:sSub>
+                  </m:oMath>
+                </a14:m>
+                <a:endParaRPr lang="en-GB" dirty="0"/>
+              </a:p>
+              <a:p>
+                <a:pPr algn="ctr"/>
+                <a:r>
+                  <a:rPr lang="en-AU" dirty="0"/>
+                  <a:t>W</a:t>
+                </a:r>
+                <a:r>
+                  <a:rPr lang="en-GB" dirty="0" err="1"/>
+                  <a:t>eighting</a:t>
+                </a:r>
+                <a:r>
+                  <a:rPr lang="en-GB" dirty="0"/>
+                  <a:t> Factors</a:t>
+                </a:r>
+              </a:p>
+            </p:txBody>
+          </p:sp>
+        </mc:Choice>
+        <mc:Fallback xmlns="">
+          <p:sp>
+            <p:nvSpPr>
+              <p:cNvPr id="9" name="Rectangle 8">
+                <a:extLst>
+                  <a:ext uri="{FF2B5EF4-FFF2-40B4-BE49-F238E27FC236}">
+                    <a16:creationId xmlns:a16="http://schemas.microsoft.com/office/drawing/2014/main" id="{880A56E1-4469-4C13-BD31-E3E6877E2E9B}"/>
+                  </a:ext>
+                </a:extLst>
+              </p:cNvPr>
+              <p:cNvSpPr>
+                <a:spLocks noRot="1" noChangeAspect="1" noMove="1" noResize="1" noEditPoints="1" noAdjustHandles="1" noChangeArrowheads="1" noChangeShapeType="1" noTextEdit="1"/>
+              </p:cNvSpPr>
+              <p:nvPr/>
+            </p:nvSpPr>
+            <p:spPr>
+              <a:xfrm>
+                <a:off x="6663532" y="4339464"/>
+                <a:ext cx="1862433" cy="646331"/>
+              </a:xfrm>
+              <a:prstGeom prst="rect">
+                <a:avLst/>
+              </a:prstGeom>
+              <a:blipFill>
+                <a:blip r:embed="rId6"/>
+                <a:stretch>
+                  <a:fillRect l="-2614" t="-5660" r="-2288" b="-14151"/>
+                </a:stretch>
+              </a:blipFill>
+            </p:spPr>
+            <p:txBody>
+              <a:bodyPr/>
+              <a:lstStyle/>
+              <a:p>
+                <a:r>
+                  <a:rPr lang="en-GB">
+                    <a:noFill/>
+                  </a:rPr>
+                  <a:t> </a:t>
+                </a:r>
+              </a:p>
+            </p:txBody>
+          </p:sp>
+        </mc:Fallback>
+      </mc:AlternateContent>
+      <mc:AlternateContent xmlns:mc="http://schemas.openxmlformats.org/markup-compatibility/2006" xmlns:a14="http://schemas.microsoft.com/office/drawing/2010/main">
+        <mc:Choice Requires="a14">
+          <p:sp>
+            <p:nvSpPr>
+              <p:cNvPr id="10" name="Rectangle 9">
+                <a:extLst>
+                  <a:ext uri="{FF2B5EF4-FFF2-40B4-BE49-F238E27FC236}">
+                    <a16:creationId xmlns:a16="http://schemas.microsoft.com/office/drawing/2014/main" id="{6AF59402-68C1-4566-9274-E659F1E8B7FC}"/>
+                  </a:ext>
+                </a:extLst>
+              </p:cNvPr>
+              <p:cNvSpPr/>
+              <p:nvPr/>
+            </p:nvSpPr>
+            <p:spPr>
+              <a:xfrm>
+                <a:off x="2195730" y="3501008"/>
+                <a:ext cx="2233047" cy="369332"/>
+              </a:xfrm>
+              <a:prstGeom prst="rect">
+                <a:avLst/>
+              </a:prstGeom>
+            </p:spPr>
+            <p:txBody>
+              <a:bodyPr wrap="none">
+                <a:spAutoFit/>
+              </a:bodyPr>
+              <a:lstStyle/>
+              <a:p>
+                <a:pPr/>
+                <a14:m>
+                  <m:oMathPara xmlns:m="http://schemas.openxmlformats.org/officeDocument/2006/math">
+                    <m:oMathParaPr>
+                      <m:jc m:val="centerGroup"/>
+                    </m:oMathParaPr>
+                    <m:oMath xmlns:m="http://schemas.openxmlformats.org/officeDocument/2006/math">
+                      <m:sSub>
+                        <m:sSubPr>
+                          <m:ctrlPr>
+                            <a:rPr lang="en-AU" b="1" i="1" smtClean="0">
+                              <a:latin typeface="Cambria Math" panose="02040503050406030204" pitchFamily="18" charset="0"/>
+                            </a:rPr>
+                          </m:ctrlPr>
+                        </m:sSubPr>
+                        <m:e>
+                          <m:r>
+                            <a:rPr lang="en-AU" b="1" i="1" smtClean="0">
+                              <a:latin typeface="Cambria Math" panose="02040503050406030204" pitchFamily="18" charset="0"/>
+                            </a:rPr>
+                            <m:t>𝑸</m:t>
+                          </m:r>
+                        </m:e>
+                        <m:sub>
+                          <m:r>
+                            <a:rPr lang="en-AU" b="0" i="1" smtClean="0">
+                              <a:latin typeface="Cambria Math" panose="02040503050406030204" pitchFamily="18" charset="0"/>
+                            </a:rPr>
+                            <m:t>𝑚𝑎𝑥</m:t>
+                          </m:r>
+                        </m:sub>
+                      </m:sSub>
+                      <m:r>
+                        <a:rPr lang="en-AU" b="1" i="1" smtClean="0">
+                          <a:latin typeface="Cambria Math" panose="02040503050406030204" pitchFamily="18" charset="0"/>
+                          <a:ea typeface="Cambria Math" panose="02040503050406030204" pitchFamily="18" charset="0"/>
+                        </a:rPr>
+                        <m:t>≤</m:t>
+                      </m:r>
+                      <m:r>
+                        <a:rPr lang="en-AU" b="0" i="1" smtClean="0">
+                          <a:latin typeface="Cambria Math" panose="02040503050406030204" pitchFamily="18" charset="0"/>
+                          <a:ea typeface="Cambria Math" panose="02040503050406030204" pitchFamily="18" charset="0"/>
+                        </a:rPr>
+                        <m:t>1.3</m:t>
+                      </m:r>
+                      <m:r>
+                        <a:rPr lang="en-AU" b="0" i="0" smtClean="0">
+                          <a:latin typeface="Cambria Math" panose="02040503050406030204" pitchFamily="18" charset="0"/>
+                          <a:ea typeface="Cambria Math" panose="02040503050406030204" pitchFamily="18" charset="0"/>
+                        </a:rPr>
+                        <m:t> </m:t>
+                      </m:r>
+                      <m:r>
+                        <m:rPr>
+                          <m:sty m:val="p"/>
+                        </m:rPr>
+                        <a:rPr lang="en-AU" b="0" i="0" smtClean="0">
+                          <a:latin typeface="Cambria Math" panose="02040503050406030204" pitchFamily="18" charset="0"/>
+                          <a:ea typeface="Cambria Math" panose="02040503050406030204" pitchFamily="18" charset="0"/>
+                        </a:rPr>
+                        <m:t>MW</m:t>
+                      </m:r>
+                      <m:r>
+                        <a:rPr lang="en-AU" b="0" i="0" smtClean="0">
+                          <a:latin typeface="Cambria Math" panose="02040503050406030204" pitchFamily="18" charset="0"/>
+                          <a:ea typeface="Cambria Math" panose="02040503050406030204" pitchFamily="18" charset="0"/>
+                        </a:rPr>
+                        <m:t>/</m:t>
+                      </m:r>
+                      <m:sSup>
+                        <m:sSupPr>
+                          <m:ctrlPr>
+                            <a:rPr lang="en-AU" i="1" smtClean="0">
+                              <a:latin typeface="Cambria Math" panose="02040503050406030204" pitchFamily="18" charset="0"/>
+                              <a:ea typeface="Cambria Math" panose="02040503050406030204" pitchFamily="18" charset="0"/>
+                            </a:rPr>
+                          </m:ctrlPr>
+                        </m:sSupPr>
+                        <m:e>
+                          <m:r>
+                            <m:rPr>
+                              <m:sty m:val="p"/>
+                            </m:rPr>
+                            <a:rPr lang="en-AU" b="0" i="0" smtClean="0">
+                              <a:latin typeface="Cambria Math" panose="02040503050406030204" pitchFamily="18" charset="0"/>
+                              <a:ea typeface="Cambria Math" panose="02040503050406030204" pitchFamily="18" charset="0"/>
+                            </a:rPr>
+                            <m:t>m</m:t>
+                          </m:r>
+                        </m:e>
+                        <m:sup>
+                          <m:r>
+                            <a:rPr lang="en-AU" b="0" i="0" smtClean="0">
+                              <a:latin typeface="Cambria Math" panose="02040503050406030204" pitchFamily="18" charset="0"/>
+                              <a:ea typeface="Cambria Math" panose="02040503050406030204" pitchFamily="18" charset="0"/>
+                            </a:rPr>
+                            <m:t>2</m:t>
+                          </m:r>
+                        </m:sup>
+                      </m:sSup>
+                    </m:oMath>
+                  </m:oMathPara>
+                </a14:m>
+                <a:endParaRPr lang="en-GB" dirty="0"/>
+              </a:p>
+            </p:txBody>
+          </p:sp>
+        </mc:Choice>
+        <mc:Fallback xmlns="">
+          <p:sp>
+            <p:nvSpPr>
+              <p:cNvPr id="10" name="Rectangle 9">
+                <a:extLst>
+                  <a:ext uri="{FF2B5EF4-FFF2-40B4-BE49-F238E27FC236}">
+                    <a16:creationId xmlns:a16="http://schemas.microsoft.com/office/drawing/2014/main" id="{6AF59402-68C1-4566-9274-E659F1E8B7FC}"/>
+                  </a:ext>
+                </a:extLst>
+              </p:cNvPr>
+              <p:cNvSpPr>
+                <a:spLocks noRot="1" noChangeAspect="1" noMove="1" noResize="1" noEditPoints="1" noAdjustHandles="1" noChangeArrowheads="1" noChangeShapeType="1" noTextEdit="1"/>
+              </p:cNvSpPr>
+              <p:nvPr/>
+            </p:nvSpPr>
+            <p:spPr>
+              <a:xfrm>
+                <a:off x="2195730" y="3501008"/>
+                <a:ext cx="2233047" cy="369332"/>
+              </a:xfrm>
+              <a:prstGeom prst="rect">
+                <a:avLst/>
+              </a:prstGeom>
+              <a:blipFill>
+                <a:blip r:embed="rId7"/>
+                <a:stretch>
+                  <a:fillRect b="-13115"/>
+                </a:stretch>
+              </a:blipFill>
+            </p:spPr>
+            <p:txBody>
+              <a:bodyPr/>
+              <a:lstStyle/>
+              <a:p>
+                <a:r>
+                  <a:rPr lang="en-GB">
+                    <a:noFill/>
+                  </a:rPr>
+                  <a:t> </a:t>
+                </a:r>
+              </a:p>
+            </p:txBody>
+          </p:sp>
+        </mc:Fallback>
+      </mc:AlternateContent>
+      <mc:AlternateContent xmlns:mc="http://schemas.openxmlformats.org/markup-compatibility/2006" xmlns:a14="http://schemas.microsoft.com/office/drawing/2010/main">
+        <mc:Choice Requires="a14">
+          <p:sp>
+            <p:nvSpPr>
+              <p:cNvPr id="11" name="Rectangle 10">
+                <a:extLst>
+                  <a:ext uri="{FF2B5EF4-FFF2-40B4-BE49-F238E27FC236}">
+                    <a16:creationId xmlns:a16="http://schemas.microsoft.com/office/drawing/2014/main" id="{1B599EB9-7070-4A8A-A40E-F04D60EA7C29}"/>
+                  </a:ext>
+                </a:extLst>
+              </p:cNvPr>
+              <p:cNvSpPr/>
+              <p:nvPr/>
+            </p:nvSpPr>
+            <p:spPr>
+              <a:xfrm>
+                <a:off x="2538837" y="3943865"/>
+                <a:ext cx="1546834" cy="369332"/>
+              </a:xfrm>
+              <a:prstGeom prst="rect">
+                <a:avLst/>
+              </a:prstGeom>
+            </p:spPr>
+            <p:txBody>
+              <a:bodyPr wrap="none">
+                <a:spAutoFit/>
+              </a:bodyPr>
+              <a:lstStyle/>
+              <a:p>
+                <a:pPr/>
+                <a14:m>
+                  <m:oMathPara xmlns:m="http://schemas.openxmlformats.org/officeDocument/2006/math">
+                    <m:oMathParaPr>
+                      <m:jc m:val="centerGroup"/>
+                    </m:oMathParaPr>
+                    <m:oMath xmlns:m="http://schemas.openxmlformats.org/officeDocument/2006/math">
+                      <m:sSub>
+                        <m:sSubPr>
+                          <m:ctrlPr>
+                            <a:rPr lang="el-GR" i="1" smtClean="0">
+                              <a:latin typeface="Cambria Math" panose="02040503050406030204" pitchFamily="18" charset="0"/>
+                            </a:rPr>
+                          </m:ctrlPr>
+                        </m:sSubPr>
+                        <m:e>
+                          <m:r>
+                            <a:rPr lang="el-GR" b="1" i="1">
+                              <a:latin typeface="Cambria Math" panose="02040503050406030204" pitchFamily="18" charset="0"/>
+                            </a:rPr>
+                            <m:t>𝜸</m:t>
+                          </m:r>
+                        </m:e>
+                        <m:sub>
+                          <m:r>
+                            <a:rPr lang="en-AU" b="0" i="1" smtClean="0">
+                              <a:latin typeface="Cambria Math" panose="02040503050406030204" pitchFamily="18" charset="0"/>
+                            </a:rPr>
+                            <m:t>𝑑𝑒𝑠𝑐𝑒𝑛𝑡</m:t>
+                          </m:r>
+                        </m:sub>
+                      </m:sSub>
+                      <m:r>
+                        <a:rPr lang="el-GR" i="1" smtClean="0">
+                          <a:latin typeface="Cambria Math" panose="02040503050406030204" pitchFamily="18" charset="0"/>
+                          <a:ea typeface="Cambria Math" panose="02040503050406030204" pitchFamily="18" charset="0"/>
+                        </a:rPr>
+                        <m:t>≤</m:t>
+                      </m:r>
+                      <m:r>
+                        <a:rPr lang="en-AU" b="0" i="1" smtClean="0">
+                          <a:latin typeface="Cambria Math" panose="02040503050406030204" pitchFamily="18" charset="0"/>
+                          <a:ea typeface="Cambria Math" panose="02040503050406030204" pitchFamily="18" charset="0"/>
+                        </a:rPr>
+                        <m:t>0°</m:t>
+                      </m:r>
+                    </m:oMath>
+                  </m:oMathPara>
+                </a14:m>
+                <a:endParaRPr lang="en-GB" dirty="0"/>
+              </a:p>
+            </p:txBody>
+          </p:sp>
+        </mc:Choice>
+        <mc:Fallback xmlns="">
+          <p:sp>
+            <p:nvSpPr>
+              <p:cNvPr id="11" name="Rectangle 10">
+                <a:extLst>
+                  <a:ext uri="{FF2B5EF4-FFF2-40B4-BE49-F238E27FC236}">
+                    <a16:creationId xmlns:a16="http://schemas.microsoft.com/office/drawing/2014/main" id="{1B599EB9-7070-4A8A-A40E-F04D60EA7C29}"/>
+                  </a:ext>
+                </a:extLst>
+              </p:cNvPr>
+              <p:cNvSpPr>
+                <a:spLocks noRot="1" noChangeAspect="1" noMove="1" noResize="1" noEditPoints="1" noAdjustHandles="1" noChangeArrowheads="1" noChangeShapeType="1" noTextEdit="1"/>
+              </p:cNvSpPr>
+              <p:nvPr/>
+            </p:nvSpPr>
+            <p:spPr>
+              <a:xfrm>
+                <a:off x="2538837" y="3943865"/>
+                <a:ext cx="1546834" cy="369332"/>
+              </a:xfrm>
+              <a:prstGeom prst="rect">
+                <a:avLst/>
+              </a:prstGeom>
+              <a:blipFill>
+                <a:blip r:embed="rId8"/>
+                <a:stretch>
+                  <a:fillRect b="-3279"/>
+                </a:stretch>
+              </a:blipFill>
+            </p:spPr>
+            <p:txBody>
+              <a:bodyPr/>
+              <a:lstStyle/>
+              <a:p>
+                <a:r>
+                  <a:rPr lang="en-GB">
+                    <a:noFill/>
+                  </a:rPr>
+                  <a:t> </a:t>
+                </a:r>
+              </a:p>
+            </p:txBody>
+          </p:sp>
+        </mc:Fallback>
+      </mc:AlternateContent>
+      <p:sp>
+        <p:nvSpPr>
+          <p:cNvPr id="12" name="TextBox 11">
+            <a:extLst>
+              <a:ext uri="{FF2B5EF4-FFF2-40B4-BE49-F238E27FC236}">
+                <a16:creationId xmlns:a16="http://schemas.microsoft.com/office/drawing/2014/main" id="{B31A41F5-6DB9-46F3-87C1-7D9E48E056C4}"/>
+              </a:ext>
+            </a:extLst>
+          </p:cNvPr>
+          <p:cNvSpPr txBox="1"/>
+          <p:nvPr/>
+        </p:nvSpPr>
+        <p:spPr>
+          <a:xfrm>
+            <a:off x="3075014" y="1378611"/>
+            <a:ext cx="474489" cy="276999"/>
+          </a:xfrm>
+          <a:prstGeom prst="rect">
+            <a:avLst/>
+          </a:prstGeom>
+          <a:noFill/>
+        </p:spPr>
+        <p:txBody>
+          <a:bodyPr wrap="none" lIns="0" tIns="0" rIns="0" bIns="0" rtlCol="0">
+            <a:spAutoFit/>
+          </a:bodyPr>
+          <a:lstStyle/>
+          <a:p>
+            <a:r>
+              <a:rPr lang="en-AU" dirty="0">
+                <a:latin typeface="Arial" pitchFamily="34" charset="0"/>
+                <a:cs typeface="Arial" pitchFamily="34" charset="0"/>
+              </a:rPr>
+              <a:t>Cost</a:t>
+            </a:r>
+            <a:endParaRPr lang="en-GB" dirty="0">
+              <a:latin typeface="Arial" pitchFamily="34" charset="0"/>
+              <a:cs typeface="Arial" pitchFamily="34" charset="0"/>
+            </a:endParaRPr>
+          </a:p>
+        </p:txBody>
+      </p:sp>
+      <p:sp>
+        <p:nvSpPr>
+          <p:cNvPr id="13" name="TextBox 12">
+            <a:extLst>
+              <a:ext uri="{FF2B5EF4-FFF2-40B4-BE49-F238E27FC236}">
+                <a16:creationId xmlns:a16="http://schemas.microsoft.com/office/drawing/2014/main" id="{7FE46CCE-BDF2-481E-930A-49EE48C6D99C}"/>
+              </a:ext>
+            </a:extLst>
+          </p:cNvPr>
+          <p:cNvSpPr txBox="1"/>
+          <p:nvPr/>
+        </p:nvSpPr>
+        <p:spPr>
+          <a:xfrm>
+            <a:off x="2921123" y="2996975"/>
+            <a:ext cx="782265" cy="276999"/>
+          </a:xfrm>
+          <a:prstGeom prst="rect">
+            <a:avLst/>
+          </a:prstGeom>
+          <a:noFill/>
+        </p:spPr>
+        <p:txBody>
+          <a:bodyPr wrap="none" lIns="0" tIns="0" rIns="0" bIns="0" rtlCol="0">
+            <a:spAutoFit/>
+          </a:bodyPr>
+          <a:lstStyle/>
+          <a:p>
+            <a:r>
+              <a:rPr lang="en-AU" dirty="0">
+                <a:latin typeface="Arial" pitchFamily="34" charset="0"/>
+                <a:cs typeface="Arial" pitchFamily="34" charset="0"/>
+              </a:rPr>
+              <a:t>Bounds</a:t>
+            </a:r>
+            <a:endParaRPr lang="en-GB" dirty="0">
+              <a:latin typeface="Arial" pitchFamily="34" charset="0"/>
+              <a:cs typeface="Arial" pitchFamily="34" charset="0"/>
+            </a:endParaRPr>
+          </a:p>
+        </p:txBody>
+      </p:sp>
+      <mc:AlternateContent xmlns:mc="http://schemas.openxmlformats.org/markup-compatibility/2006" xmlns:a14="http://schemas.microsoft.com/office/drawing/2010/main">
+        <mc:Choice Requires="a14">
+          <p:sp>
+            <p:nvSpPr>
+              <p:cNvPr id="14" name="Rectangle 13">
+                <a:extLst>
+                  <a:ext uri="{FF2B5EF4-FFF2-40B4-BE49-F238E27FC236}">
+                    <a16:creationId xmlns:a16="http://schemas.microsoft.com/office/drawing/2014/main" id="{B451B2A9-5128-4958-8FEE-B211FA51B6B1}"/>
+                  </a:ext>
+                </a:extLst>
+              </p:cNvPr>
+              <p:cNvSpPr/>
+              <p:nvPr/>
+            </p:nvSpPr>
+            <p:spPr>
+              <a:xfrm>
+                <a:off x="2621296" y="4823559"/>
+                <a:ext cx="1381917" cy="369332"/>
+              </a:xfrm>
+              <a:prstGeom prst="rect">
+                <a:avLst/>
+              </a:prstGeom>
+            </p:spPr>
+            <p:txBody>
+              <a:bodyPr wrap="none">
+                <a:spAutoFit/>
+              </a:bodyPr>
+              <a:lstStyle/>
+              <a:p>
+                <a:pPr/>
+                <a14:m>
+                  <m:oMathPara xmlns:m="http://schemas.openxmlformats.org/officeDocument/2006/math">
+                    <m:oMathParaPr>
+                      <m:jc m:val="centerGroup"/>
+                    </m:oMathParaPr>
+                    <m:oMath xmlns:m="http://schemas.openxmlformats.org/officeDocument/2006/math">
+                      <m:r>
+                        <a:rPr lang="en-AU" b="1" i="1" smtClean="0">
+                          <a:latin typeface="Cambria Math" panose="02040503050406030204" pitchFamily="18" charset="0"/>
+                        </a:rPr>
+                        <m:t>𝒒</m:t>
+                      </m:r>
+                      <m:r>
+                        <a:rPr lang="el-GR" i="1" smtClean="0">
+                          <a:latin typeface="Cambria Math" panose="02040503050406030204" pitchFamily="18" charset="0"/>
+                          <a:ea typeface="Cambria Math" panose="02040503050406030204" pitchFamily="18" charset="0"/>
+                        </a:rPr>
+                        <m:t>≤</m:t>
+                      </m:r>
+                      <m:r>
+                        <a:rPr lang="en-AU" b="0" i="1" smtClean="0">
+                          <a:latin typeface="Cambria Math" panose="02040503050406030204" pitchFamily="18" charset="0"/>
+                          <a:ea typeface="Cambria Math" panose="02040503050406030204" pitchFamily="18" charset="0"/>
+                        </a:rPr>
+                        <m:t>40 </m:t>
+                      </m:r>
+                      <m:r>
+                        <m:rPr>
+                          <m:sty m:val="p"/>
+                        </m:rPr>
+                        <a:rPr lang="en-AU" b="0" i="0" smtClean="0">
+                          <a:latin typeface="Cambria Math" panose="02040503050406030204" pitchFamily="18" charset="0"/>
+                          <a:ea typeface="Cambria Math" panose="02040503050406030204" pitchFamily="18" charset="0"/>
+                        </a:rPr>
+                        <m:t>kPa</m:t>
+                      </m:r>
+                    </m:oMath>
+                  </m:oMathPara>
+                </a14:m>
+                <a:endParaRPr lang="en-GB" dirty="0"/>
+              </a:p>
+            </p:txBody>
+          </p:sp>
+        </mc:Choice>
+        <mc:Fallback xmlns="">
+          <p:sp>
+            <p:nvSpPr>
+              <p:cNvPr id="14" name="Rectangle 13">
+                <a:extLst>
+                  <a:ext uri="{FF2B5EF4-FFF2-40B4-BE49-F238E27FC236}">
+                    <a16:creationId xmlns:a16="http://schemas.microsoft.com/office/drawing/2014/main" id="{B451B2A9-5128-4958-8FEE-B211FA51B6B1}"/>
+                  </a:ext>
+                </a:extLst>
+              </p:cNvPr>
+              <p:cNvSpPr>
+                <a:spLocks noRot="1" noChangeAspect="1" noMove="1" noResize="1" noEditPoints="1" noAdjustHandles="1" noChangeArrowheads="1" noChangeShapeType="1" noTextEdit="1"/>
+              </p:cNvSpPr>
+              <p:nvPr/>
+            </p:nvSpPr>
+            <p:spPr>
+              <a:xfrm>
+                <a:off x="2621296" y="4823559"/>
+                <a:ext cx="1381917" cy="369332"/>
+              </a:xfrm>
+              <a:prstGeom prst="rect">
+                <a:avLst/>
+              </a:prstGeom>
+              <a:blipFill>
+                <a:blip r:embed="rId9"/>
+                <a:stretch>
+                  <a:fillRect b="-6557"/>
+                </a:stretch>
+              </a:blipFill>
+            </p:spPr>
+            <p:txBody>
+              <a:bodyPr/>
+              <a:lstStyle/>
+              <a:p>
+                <a:r>
+                  <a:rPr lang="en-GB">
+                    <a:noFill/>
+                  </a:rPr>
+                  <a:t> </a:t>
+                </a:r>
+              </a:p>
+            </p:txBody>
+          </p:sp>
+        </mc:Fallback>
+      </mc:AlternateContent>
+      <mc:AlternateContent xmlns:mc="http://schemas.openxmlformats.org/markup-compatibility/2006" xmlns:a14="http://schemas.microsoft.com/office/drawing/2010/main">
+        <mc:Choice Requires="a14">
+          <p:sp>
+            <p:nvSpPr>
+              <p:cNvPr id="15" name="Rectangle 14">
+                <a:extLst>
+                  <a:ext uri="{FF2B5EF4-FFF2-40B4-BE49-F238E27FC236}">
+                    <a16:creationId xmlns:a16="http://schemas.microsoft.com/office/drawing/2014/main" id="{1DCD5F7B-BD48-40C4-BF51-C8BF9EEC57EF}"/>
+                  </a:ext>
+                </a:extLst>
+              </p:cNvPr>
+              <p:cNvSpPr/>
+              <p:nvPr/>
+            </p:nvSpPr>
+            <p:spPr>
+              <a:xfrm>
+                <a:off x="2255681" y="5263406"/>
+                <a:ext cx="2205797" cy="391582"/>
+              </a:xfrm>
+              <a:prstGeom prst="rect">
+                <a:avLst/>
+              </a:prstGeom>
+            </p:spPr>
+            <p:txBody>
+              <a:bodyPr wrap="none">
+                <a:spAutoFit/>
+              </a:bodyPr>
+              <a:lstStyle/>
+              <a:p>
+                <a14:m>
+                  <m:oMath xmlns:m="http://schemas.openxmlformats.org/officeDocument/2006/math">
+                    <m:sSub>
+                      <m:sSubPr>
+                        <m:ctrlPr>
+                          <a:rPr lang="en-GB" i="1" smtClean="0">
+                            <a:latin typeface="Cambria Math" panose="02040503050406030204" pitchFamily="18" charset="0"/>
+                          </a:rPr>
+                        </m:ctrlPr>
+                      </m:sSubPr>
+                      <m:e>
+                        <m:r>
+                          <a:rPr lang="en-AU" b="0" i="1" smtClean="0">
+                            <a:latin typeface="Cambria Math" panose="02040503050406030204" pitchFamily="18" charset="0"/>
+                          </a:rPr>
+                          <m:t>𝑙𝑜𝑛</m:t>
+                        </m:r>
+                      </m:e>
+                      <m:sub>
+                        <m:r>
+                          <a:rPr lang="en-AU" b="0" i="1" smtClean="0">
+                            <a:latin typeface="Cambria Math" panose="02040503050406030204" pitchFamily="18" charset="0"/>
+                          </a:rPr>
+                          <m:t>0</m:t>
+                        </m:r>
+                      </m:sub>
+                    </m:sSub>
+                    <m:r>
+                      <a:rPr lang="en-AU" b="0" i="1" smtClean="0">
+                        <a:latin typeface="Cambria Math" panose="02040503050406030204" pitchFamily="18" charset="0"/>
+                      </a:rPr>
+                      <m:t>,</m:t>
+                    </m:r>
+                  </m:oMath>
+                </a14:m>
+                <a:r>
+                  <a:rPr lang="en-GB" dirty="0"/>
+                  <a:t> </a:t>
+                </a:r>
+                <a14:m>
+                  <m:oMath xmlns:m="http://schemas.openxmlformats.org/officeDocument/2006/math">
+                    <m:sSub>
+                      <m:sSubPr>
+                        <m:ctrlPr>
+                          <a:rPr lang="en-GB" i="1">
+                            <a:latin typeface="Cambria Math" panose="02040503050406030204" pitchFamily="18" charset="0"/>
+                          </a:rPr>
+                        </m:ctrlPr>
+                      </m:sSubPr>
+                      <m:e>
+                        <m:r>
+                          <a:rPr lang="en-AU" i="1">
+                            <a:latin typeface="Cambria Math" panose="02040503050406030204" pitchFamily="18" charset="0"/>
+                          </a:rPr>
+                          <m:t>𝑙</m:t>
+                        </m:r>
+                        <m:r>
+                          <a:rPr lang="en-AU" b="0" i="1" smtClean="0">
+                            <a:latin typeface="Cambria Math" panose="02040503050406030204" pitchFamily="18" charset="0"/>
+                          </a:rPr>
+                          <m:t>𝑎𝑡</m:t>
+                        </m:r>
+                      </m:e>
+                      <m:sub>
+                        <m:r>
+                          <a:rPr lang="en-AU" i="1">
+                            <a:latin typeface="Cambria Math" panose="02040503050406030204" pitchFamily="18" charset="0"/>
+                          </a:rPr>
+                          <m:t>0</m:t>
+                        </m:r>
+                      </m:sub>
+                    </m:sSub>
+                    <m:r>
+                      <a:rPr lang="en-AU" i="1">
+                        <a:latin typeface="Cambria Math" panose="02040503050406030204" pitchFamily="18" charset="0"/>
+                      </a:rPr>
+                      <m:t>,</m:t>
+                    </m:r>
+                  </m:oMath>
+                </a14:m>
+                <a:r>
+                  <a:rPr lang="en-GB" dirty="0"/>
+                  <a:t> </a:t>
+                </a:r>
+                <a14:m>
+                  <m:oMath xmlns:m="http://schemas.openxmlformats.org/officeDocument/2006/math">
+                    <m:sSub>
+                      <m:sSubPr>
+                        <m:ctrlPr>
+                          <a:rPr lang="en-GB" i="1">
+                            <a:latin typeface="Cambria Math" panose="02040503050406030204" pitchFamily="18" charset="0"/>
+                          </a:rPr>
+                        </m:ctrlPr>
+                      </m:sSubPr>
+                      <m:e>
+                        <m:r>
+                          <a:rPr lang="en-AU" i="1">
+                            <a:latin typeface="Cambria Math" panose="02040503050406030204" pitchFamily="18" charset="0"/>
+                          </a:rPr>
+                          <m:t>𝑙𝑜𝑛</m:t>
+                        </m:r>
+                      </m:e>
+                      <m:sub>
+                        <m:r>
+                          <a:rPr lang="en-AU" b="0" i="1" smtClean="0">
+                            <a:latin typeface="Cambria Math" panose="02040503050406030204" pitchFamily="18" charset="0"/>
+                          </a:rPr>
+                          <m:t>𝑓</m:t>
+                        </m:r>
+                      </m:sub>
+                    </m:sSub>
+                    <m:r>
+                      <a:rPr lang="en-AU" i="1">
+                        <a:latin typeface="Cambria Math" panose="02040503050406030204" pitchFamily="18" charset="0"/>
+                      </a:rPr>
+                      <m:t>,</m:t>
+                    </m:r>
+                  </m:oMath>
+                </a14:m>
+                <a:r>
+                  <a:rPr lang="en-GB" dirty="0"/>
+                  <a:t> </a:t>
+                </a:r>
+                <a14:m>
+                  <m:oMath xmlns:m="http://schemas.openxmlformats.org/officeDocument/2006/math">
+                    <m:sSub>
+                      <m:sSubPr>
+                        <m:ctrlPr>
+                          <a:rPr lang="en-GB" i="1">
+                            <a:latin typeface="Cambria Math" panose="02040503050406030204" pitchFamily="18" charset="0"/>
+                          </a:rPr>
+                        </m:ctrlPr>
+                      </m:sSubPr>
+                      <m:e>
+                        <m:r>
+                          <a:rPr lang="en-AU" i="1">
+                            <a:latin typeface="Cambria Math" panose="02040503050406030204" pitchFamily="18" charset="0"/>
+                          </a:rPr>
+                          <m:t>𝑙</m:t>
+                        </m:r>
+                        <m:r>
+                          <a:rPr lang="en-AU" b="0" i="1" smtClean="0">
+                            <a:latin typeface="Cambria Math" panose="02040503050406030204" pitchFamily="18" charset="0"/>
+                          </a:rPr>
+                          <m:t>𝑎𝑡</m:t>
+                        </m:r>
+                      </m:e>
+                      <m:sub>
+                        <m:r>
+                          <a:rPr lang="en-AU" b="0" i="1" smtClean="0">
+                            <a:latin typeface="Cambria Math" panose="02040503050406030204" pitchFamily="18" charset="0"/>
+                          </a:rPr>
+                          <m:t>𝑓</m:t>
+                        </m:r>
+                      </m:sub>
+                    </m:sSub>
+                  </m:oMath>
+                </a14:m>
+                <a:endParaRPr lang="en-GB" dirty="0"/>
+              </a:p>
+            </p:txBody>
+          </p:sp>
+        </mc:Choice>
+        <mc:Fallback xmlns="">
+          <p:sp>
+            <p:nvSpPr>
+              <p:cNvPr id="15" name="Rectangle 14">
+                <a:extLst>
+                  <a:ext uri="{FF2B5EF4-FFF2-40B4-BE49-F238E27FC236}">
+                    <a16:creationId xmlns:a16="http://schemas.microsoft.com/office/drawing/2014/main" id="{1DCD5F7B-BD48-40C4-BF51-C8BF9EEC57EF}"/>
+                  </a:ext>
+                </a:extLst>
+              </p:cNvPr>
+              <p:cNvSpPr>
+                <a:spLocks noRot="1" noChangeAspect="1" noMove="1" noResize="1" noEditPoints="1" noAdjustHandles="1" noChangeArrowheads="1" noChangeShapeType="1" noTextEdit="1"/>
+              </p:cNvSpPr>
+              <p:nvPr/>
+            </p:nvSpPr>
+            <p:spPr>
+              <a:xfrm>
+                <a:off x="2255681" y="5263406"/>
+                <a:ext cx="2205797" cy="391582"/>
+              </a:xfrm>
+              <a:prstGeom prst="rect">
+                <a:avLst/>
+              </a:prstGeom>
+              <a:blipFill>
+                <a:blip r:embed="rId10"/>
+                <a:stretch>
+                  <a:fillRect b="-9231"/>
+                </a:stretch>
+              </a:blipFill>
+            </p:spPr>
+            <p:txBody>
+              <a:bodyPr/>
+              <a:lstStyle/>
+              <a:p>
+                <a:r>
+                  <a:rPr lang="en-GB">
+                    <a:noFill/>
+                  </a:rPr>
+                  <a:t> </a:t>
+                </a:r>
+              </a:p>
+            </p:txBody>
+          </p:sp>
+        </mc:Fallback>
+      </mc:AlternateContent>
+      <mc:AlternateContent xmlns:mc="http://schemas.openxmlformats.org/markup-compatibility/2006" xmlns:a14="http://schemas.microsoft.com/office/drawing/2010/main">
+        <mc:Choice Requires="a14">
+          <p:sp>
+            <p:nvSpPr>
+              <p:cNvPr id="16" name="Rectangle 15">
+                <a:extLst>
+                  <a:ext uri="{FF2B5EF4-FFF2-40B4-BE49-F238E27FC236}">
+                    <a16:creationId xmlns:a16="http://schemas.microsoft.com/office/drawing/2014/main" id="{C5ED8DAB-6E14-4C13-817F-6B44850E06F4}"/>
+                  </a:ext>
+                </a:extLst>
+              </p:cNvPr>
+              <p:cNvSpPr/>
+              <p:nvPr/>
+            </p:nvSpPr>
+            <p:spPr>
+              <a:xfrm>
+                <a:off x="2645261" y="4383712"/>
+                <a:ext cx="1182503" cy="369332"/>
+              </a:xfrm>
+              <a:prstGeom prst="rect">
+                <a:avLst/>
+              </a:prstGeom>
+            </p:spPr>
+            <p:txBody>
+              <a:bodyPr wrap="none">
+                <a:spAutoFit/>
+              </a:bodyPr>
+              <a:lstStyle/>
+              <a:p>
+                <a:pPr/>
+                <a14:m>
+                  <m:oMathPara xmlns:m="http://schemas.openxmlformats.org/officeDocument/2006/math">
+                    <m:oMathParaPr>
+                      <m:jc m:val="centerGroup"/>
+                    </m:oMathParaPr>
+                    <m:oMath xmlns:m="http://schemas.openxmlformats.org/officeDocument/2006/math">
+                      <m:r>
+                        <a:rPr lang="en-AU" b="1" i="1" smtClean="0">
+                          <a:latin typeface="Cambria Math" panose="02040503050406030204" pitchFamily="18" charset="0"/>
+                        </a:rPr>
+                        <m:t>𝒂</m:t>
+                      </m:r>
+                      <m:r>
+                        <a:rPr lang="el-GR" i="1" smtClean="0">
+                          <a:latin typeface="Cambria Math" panose="02040503050406030204" pitchFamily="18" charset="0"/>
+                          <a:ea typeface="Cambria Math" panose="02040503050406030204" pitchFamily="18" charset="0"/>
+                        </a:rPr>
+                        <m:t>≤</m:t>
+                      </m:r>
+                      <m:r>
+                        <a:rPr lang="en-AU" b="0" i="1" smtClean="0">
+                          <a:latin typeface="Cambria Math" panose="02040503050406030204" pitchFamily="18" charset="0"/>
+                          <a:ea typeface="Cambria Math" panose="02040503050406030204" pitchFamily="18" charset="0"/>
+                        </a:rPr>
+                        <m:t>2.5 </m:t>
+                      </m:r>
+                      <m:r>
+                        <m:rPr>
+                          <m:sty m:val="p"/>
+                        </m:rPr>
+                        <a:rPr lang="en-AU" b="0" i="0" smtClean="0">
+                          <a:latin typeface="Cambria Math" panose="02040503050406030204" pitchFamily="18" charset="0"/>
+                          <a:ea typeface="Cambria Math" panose="02040503050406030204" pitchFamily="18" charset="0"/>
+                        </a:rPr>
+                        <m:t>g</m:t>
+                      </m:r>
+                    </m:oMath>
+                  </m:oMathPara>
+                </a14:m>
+                <a:endParaRPr lang="en-GB" dirty="0"/>
+              </a:p>
+            </p:txBody>
+          </p:sp>
+        </mc:Choice>
+        <mc:Fallback xmlns="">
+          <p:sp>
+            <p:nvSpPr>
+              <p:cNvPr id="16" name="Rectangle 15">
+                <a:extLst>
+                  <a:ext uri="{FF2B5EF4-FFF2-40B4-BE49-F238E27FC236}">
+                    <a16:creationId xmlns:a16="http://schemas.microsoft.com/office/drawing/2014/main" id="{C5ED8DAB-6E14-4C13-817F-6B44850E06F4}"/>
+                  </a:ext>
+                </a:extLst>
+              </p:cNvPr>
+              <p:cNvSpPr>
+                <a:spLocks noRot="1" noChangeAspect="1" noMove="1" noResize="1" noEditPoints="1" noAdjustHandles="1" noChangeArrowheads="1" noChangeShapeType="1" noTextEdit="1"/>
+              </p:cNvSpPr>
+              <p:nvPr/>
+            </p:nvSpPr>
+            <p:spPr>
+              <a:xfrm>
+                <a:off x="2645261" y="4383712"/>
+                <a:ext cx="1182503" cy="369332"/>
+              </a:xfrm>
+              <a:prstGeom prst="rect">
+                <a:avLst/>
+              </a:prstGeom>
+              <a:blipFill>
+                <a:blip r:embed="rId11"/>
+                <a:stretch>
+                  <a:fillRect b="-6557"/>
                 </a:stretch>
               </a:blipFill>
             </p:spPr>
@@ -6545,6 +8645,275 @@
 </file>
 
 <file path=ppt/slides/slide7.xml><?xml version="1.0" encoding="utf-8"?>
+<p:sld xmlns:a="http://schemas.openxmlformats.org/drawingml/2006/main" xmlns:r="http://schemas.openxmlformats.org/officeDocument/2006/relationships" xmlns:p="http://schemas.openxmlformats.org/presentationml/2006/main">
+  <p:cSld>
+    <p:spTree>
+      <p:nvGrpSpPr>
+        <p:cNvPr id="1" name=""/>
+        <p:cNvGrpSpPr/>
+        <p:nvPr/>
+      </p:nvGrpSpPr>
+      <p:grpSpPr>
+        <a:xfrm>
+          <a:off x="0" y="0"/>
+          <a:ext cx="0" cy="0"/>
+          <a:chOff x="0" y="0"/>
+          <a:chExt cx="0" cy="0"/>
+        </a:xfrm>
+      </p:grpSpPr>
+      <p:sp>
+        <p:nvSpPr>
+          <p:cNvPr id="2" name="Title 1">
+            <a:extLst>
+              <a:ext uri="{FF2B5EF4-FFF2-40B4-BE49-F238E27FC236}">
+                <a16:creationId xmlns:a16="http://schemas.microsoft.com/office/drawing/2014/main" id="{4D920E3E-E309-4680-A477-F07B4E79B201}"/>
+              </a:ext>
+            </a:extLst>
+          </p:cNvPr>
+          <p:cNvSpPr>
+            <a:spLocks noGrp="1"/>
+          </p:cNvSpPr>
+          <p:nvPr>
+            <p:ph type="title"/>
+          </p:nvPr>
+        </p:nvSpPr>
+        <p:spPr/>
+        <p:txBody>
+          <a:bodyPr/>
+          <a:lstStyle/>
+          <a:p>
+            <a:r>
+              <a:rPr lang="en-AU" dirty="0"/>
+              <a:t>Problem Set-Up</a:t>
+            </a:r>
+            <a:endParaRPr lang="en-GB" dirty="0"/>
+          </a:p>
+        </p:txBody>
+      </p:sp>
+      <p:sp>
+        <p:nvSpPr>
+          <p:cNvPr id="4" name="Slide Number Placeholder 3">
+            <a:extLst>
+              <a:ext uri="{FF2B5EF4-FFF2-40B4-BE49-F238E27FC236}">
+                <a16:creationId xmlns:a16="http://schemas.microsoft.com/office/drawing/2014/main" id="{DECCE9A1-9FCC-419D-8A46-2726CFFCF14A}"/>
+              </a:ext>
+            </a:extLst>
+          </p:cNvPr>
+          <p:cNvSpPr>
+            <a:spLocks noGrp="1"/>
+          </p:cNvSpPr>
+          <p:nvPr>
+            <p:ph type="sldNum" sz="quarter" idx="12"/>
+          </p:nvPr>
+        </p:nvSpPr>
+        <p:spPr/>
+        <p:txBody>
+          <a:bodyPr/>
+          <a:lstStyle/>
+          <a:p>
+            <a:pPr>
+              <a:defRPr/>
+            </a:pPr>
+            <a:fld id="{2B0FB755-1D62-448A-B6E9-65F667AFBE78}" type="slidenum">
+              <a:rPr lang="en-US" altLang="en-US" smtClean="0"/>
+              <a:pPr>
+                <a:defRPr/>
+              </a:pPr>
+              <a:t>7</a:t>
+            </a:fld>
+            <a:endParaRPr lang="en-US" altLang="en-US"/>
+          </a:p>
+        </p:txBody>
+      </p:sp>
+      <p:sp>
+        <p:nvSpPr>
+          <p:cNvPr id="3" name="TextBox 2">
+            <a:extLst>
+              <a:ext uri="{FF2B5EF4-FFF2-40B4-BE49-F238E27FC236}">
+                <a16:creationId xmlns:a16="http://schemas.microsoft.com/office/drawing/2014/main" id="{1405D543-3791-4951-8586-0B8FDD7051CA}"/>
+              </a:ext>
+            </a:extLst>
+          </p:cNvPr>
+          <p:cNvSpPr txBox="1"/>
+          <p:nvPr/>
+        </p:nvSpPr>
+        <p:spPr>
+          <a:xfrm>
+            <a:off x="827584" y="1436590"/>
+            <a:ext cx="3996928" cy="553998"/>
+          </a:xfrm>
+          <a:prstGeom prst="rect">
+            <a:avLst/>
+          </a:prstGeom>
+          <a:noFill/>
+        </p:spPr>
+        <p:txBody>
+          <a:bodyPr wrap="none" lIns="0" tIns="0" rIns="0" bIns="0" rtlCol="0">
+            <a:spAutoFit/>
+          </a:bodyPr>
+          <a:lstStyle/>
+          <a:p>
+            <a:pPr marL="285750" indent="-285750">
+              <a:buFont typeface="Arial" panose="020B0604020202020204" pitchFamily="34" charset="0"/>
+              <a:buChar char="•"/>
+            </a:pPr>
+            <a:r>
+              <a:rPr lang="en-AU" dirty="0">
+                <a:latin typeface="Arial" pitchFamily="34" charset="0"/>
+                <a:cs typeface="Arial" pitchFamily="34" charset="0"/>
+              </a:rPr>
+              <a:t>Problem Separation:</a:t>
+            </a:r>
+          </a:p>
+          <a:p>
+            <a:pPr lvl="1"/>
+            <a:r>
+              <a:rPr lang="en-AU" dirty="0">
+                <a:latin typeface="Arial" pitchFamily="34" charset="0"/>
+                <a:cs typeface="Arial" pitchFamily="34" charset="0"/>
+              </a:rPr>
+              <a:t>8 Engines cut-offs, stage transition</a:t>
+            </a:r>
+            <a:endParaRPr lang="en-GB" dirty="0">
+              <a:latin typeface="Arial" pitchFamily="34" charset="0"/>
+              <a:cs typeface="Arial" pitchFamily="34" charset="0"/>
+            </a:endParaRPr>
+          </a:p>
+        </p:txBody>
+      </p:sp>
+      <p:pic>
+        <p:nvPicPr>
+          <p:cNvPr id="17" name="Picture 16">
+            <a:extLst>
+              <a:ext uri="{FF2B5EF4-FFF2-40B4-BE49-F238E27FC236}">
+                <a16:creationId xmlns:a16="http://schemas.microsoft.com/office/drawing/2014/main" id="{3648949E-2671-4002-A372-4839B2F127F2}"/>
+              </a:ext>
+            </a:extLst>
+          </p:cNvPr>
+          <p:cNvPicPr>
+            <a:picLocks noChangeAspect="1"/>
+          </p:cNvPicPr>
+          <p:nvPr/>
+        </p:nvPicPr>
+        <p:blipFill rotWithShape="1">
+          <a:blip r:embed="rId2">
+            <a:extLst>
+              <a:ext uri="{28A0092B-C50C-407E-A947-70E740481C1C}">
+                <a14:useLocalDpi xmlns:a14="http://schemas.microsoft.com/office/drawing/2010/main" val="0"/>
+              </a:ext>
+            </a:extLst>
+          </a:blip>
+          <a:srcRect l="52659" t="51843" r="7332" b="5069"/>
+          <a:stretch/>
+        </p:blipFill>
+        <p:spPr>
+          <a:xfrm>
+            <a:off x="2268228" y="2348880"/>
+            <a:ext cx="5112568" cy="3547496"/>
+          </a:xfrm>
+          <a:prstGeom prst="rect">
+            <a:avLst/>
+          </a:prstGeom>
+        </p:spPr>
+      </p:pic>
+      <p:sp>
+        <p:nvSpPr>
+          <p:cNvPr id="5" name="TextBox 4">
+            <a:extLst>
+              <a:ext uri="{FF2B5EF4-FFF2-40B4-BE49-F238E27FC236}">
+                <a16:creationId xmlns:a16="http://schemas.microsoft.com/office/drawing/2014/main" id="{2DEF418E-7D84-4CB8-A4D9-1FBA859036A9}"/>
+              </a:ext>
+            </a:extLst>
+          </p:cNvPr>
+          <p:cNvSpPr txBox="1"/>
+          <p:nvPr/>
+        </p:nvSpPr>
+        <p:spPr>
+          <a:xfrm>
+            <a:off x="5220072" y="3860623"/>
+            <a:ext cx="782265" cy="276999"/>
+          </a:xfrm>
+          <a:prstGeom prst="rect">
+            <a:avLst/>
+          </a:prstGeom>
+          <a:noFill/>
+        </p:spPr>
+        <p:txBody>
+          <a:bodyPr wrap="none" lIns="0" tIns="0" rIns="0" bIns="0" rtlCol="0">
+            <a:spAutoFit/>
+          </a:bodyPr>
+          <a:lstStyle/>
+          <a:p>
+            <a:r>
+              <a:rPr lang="en-AU" dirty="0">
+                <a:latin typeface="Arial" pitchFamily="34" charset="0"/>
+                <a:cs typeface="Arial" pitchFamily="34" charset="0"/>
+              </a:rPr>
+              <a:t>Staging</a:t>
+            </a:r>
+            <a:endParaRPr lang="en-GB" dirty="0">
+              <a:latin typeface="Arial" pitchFamily="34" charset="0"/>
+              <a:cs typeface="Arial" pitchFamily="34" charset="0"/>
+            </a:endParaRPr>
+          </a:p>
+        </p:txBody>
+      </p:sp>
+      <p:sp>
+        <p:nvSpPr>
+          <p:cNvPr id="7" name="TextBox 6">
+            <a:extLst>
+              <a:ext uri="{FF2B5EF4-FFF2-40B4-BE49-F238E27FC236}">
+                <a16:creationId xmlns:a16="http://schemas.microsoft.com/office/drawing/2014/main" id="{B6BA6013-5075-4B55-BF34-C78EAB7AAD32}"/>
+              </a:ext>
+            </a:extLst>
+          </p:cNvPr>
+          <p:cNvSpPr txBox="1"/>
+          <p:nvPr/>
+        </p:nvSpPr>
+        <p:spPr>
+          <a:xfrm>
+            <a:off x="4211960" y="2762899"/>
+            <a:ext cx="1534716" cy="276999"/>
+          </a:xfrm>
+          <a:prstGeom prst="rect">
+            <a:avLst/>
+          </a:prstGeom>
+          <a:noFill/>
+        </p:spPr>
+        <p:txBody>
+          <a:bodyPr wrap="none" lIns="0" tIns="0" rIns="0" bIns="0" rtlCol="0">
+            <a:spAutoFit/>
+          </a:bodyPr>
+          <a:lstStyle/>
+          <a:p>
+            <a:r>
+              <a:rPr lang="en-AU" dirty="0">
+                <a:latin typeface="Arial" pitchFamily="34" charset="0"/>
+                <a:cs typeface="Arial" pitchFamily="34" charset="0"/>
+              </a:rPr>
+              <a:t>Engine cut-offs</a:t>
+            </a:r>
+            <a:endParaRPr lang="en-GB" dirty="0">
+              <a:latin typeface="Arial" pitchFamily="34" charset="0"/>
+              <a:cs typeface="Arial" pitchFamily="34" charset="0"/>
+            </a:endParaRPr>
+          </a:p>
+        </p:txBody>
+      </p:sp>
+    </p:spTree>
+    <p:extLst>
+      <p:ext uri="{BB962C8B-B14F-4D97-AF65-F5344CB8AC3E}">
+        <p14:creationId xmlns:p14="http://schemas.microsoft.com/office/powerpoint/2010/main" val="17798334"/>
+      </p:ext>
+    </p:extLst>
+  </p:cSld>
+  <p:clrMapOvr>
+    <a:masterClrMapping/>
+  </p:clrMapOvr>
+</p:sld>
+</file>
+
+<file path=ppt/slides/slide8.xml><?xml version="1.0" encoding="utf-8"?>
 <p:sld xmlns:a="http://schemas.openxmlformats.org/drawingml/2006/main" xmlns:r="http://schemas.openxmlformats.org/officeDocument/2006/relationships" xmlns:p="http://schemas.openxmlformats.org/presentationml/2006/main">
   <p:cSld>
     <p:spTree>
@@ -6741,7 +9110,7 @@
           </p:cNvPicPr>
           <p:nvPr/>
         </p:nvPicPr>
-        <p:blipFill rotWithShape="1">
+        <p:blipFill>
           <a:blip r:embed="rId5">
             <a:extLst>
               <a:ext uri="{28A0092B-C50C-407E-A947-70E740481C1C}">
@@ -6749,13 +9118,14 @@
               </a:ext>
             </a:extLst>
           </a:blip>
-          <a:srcRect l="4753"/>
-          <a:stretch/>
+          <a:stretch>
+            <a:fillRect/>
+          </a:stretch>
         </p:blipFill>
         <p:spPr bwMode="auto">
           <a:xfrm>
-            <a:off x="5491922" y="3432469"/>
-            <a:ext cx="3420735" cy="2693574"/>
+            <a:off x="5491922" y="3496480"/>
+            <a:ext cx="3472566" cy="2604424"/>
           </a:xfrm>
           <a:prstGeom prst="rect">
             <a:avLst/>
@@ -6930,13 +9300,13 @@
               </a:ext>
             </a:extLst>
           </a:blip>
-          <a:srcRect l="20904" t="19472" r="17478" b="27666"/>
+          <a:srcRect l="19881" t="21517" r="16263" b="25972"/>
           <a:stretch/>
         </p:blipFill>
         <p:spPr bwMode="auto">
           <a:xfrm>
-            <a:off x="152400" y="3673475"/>
-            <a:ext cx="5211445" cy="2879725"/>
+            <a:off x="323528" y="3758159"/>
+            <a:ext cx="4988729" cy="2693574"/>
           </a:xfrm>
           <a:prstGeom prst="rect">
             <a:avLst/>
@@ -6966,8 +9336,8 @@
         </p:nvSpPr>
         <p:spPr>
           <a:xfrm>
-            <a:off x="5715000" y="6227772"/>
-            <a:ext cx="3031599" cy="369332"/>
+            <a:off x="3707904" y="5894557"/>
+            <a:ext cx="2092176" cy="923330"/>
           </a:xfrm>
           <a:prstGeom prst="rect">
             <a:avLst/>
@@ -6984,7 +9354,27 @@
           <a:p>
             <a:r>
               <a:rPr lang="en-AU" sz="1800" dirty="0"/>
-              <a:t>Integrated heat load -18.7%</a:t>
+              <a:t>Integrated heat load</a:t>
+            </a:r>
+          </a:p>
+          <a:p>
+            <a:r>
+              <a:rPr lang="en-AU" dirty="0"/>
+              <a:t>TOSCA: -12.8%</a:t>
+            </a:r>
+            <a:r>
+              <a:rPr lang="en-AU" sz="1800" dirty="0"/>
+              <a:t> </a:t>
+            </a:r>
+          </a:p>
+          <a:p>
+            <a:r>
+              <a:rPr lang="en-AU" dirty="0"/>
+              <a:t>SLEG: </a:t>
+            </a:r>
+            <a:r>
+              <a:rPr lang="en-AU" sz="1800" dirty="0"/>
+              <a:t>-18.7%</a:t>
             </a:r>
             <a:endParaRPr lang="en-GB" sz="1800" dirty="0"/>
           </a:p>
@@ -6994,178 +9384,6 @@
     <p:extLst>
       <p:ext uri="{BB962C8B-B14F-4D97-AF65-F5344CB8AC3E}">
         <p14:creationId xmlns:p14="http://schemas.microsoft.com/office/powerpoint/2010/main" val="66570689"/>
-      </p:ext>
-    </p:extLst>
-  </p:cSld>
-  <p:clrMapOvr>
-    <a:masterClrMapping/>
-  </p:clrMapOvr>
-</p:sld>
-</file>
-
-<file path=ppt/slides/slide8.xml><?xml version="1.0" encoding="utf-8"?>
-<p:sld xmlns:a="http://schemas.openxmlformats.org/drawingml/2006/main" xmlns:r="http://schemas.openxmlformats.org/officeDocument/2006/relationships" xmlns:p="http://schemas.openxmlformats.org/presentationml/2006/main">
-  <p:cSld>
-    <p:spTree>
-      <p:nvGrpSpPr>
-        <p:cNvPr id="1" name=""/>
-        <p:cNvGrpSpPr/>
-        <p:nvPr/>
-      </p:nvGrpSpPr>
-      <p:grpSpPr>
-        <a:xfrm>
-          <a:off x="0" y="0"/>
-          <a:ext cx="0" cy="0"/>
-          <a:chOff x="0" y="0"/>
-          <a:chExt cx="0" cy="0"/>
-        </a:xfrm>
-      </p:grpSpPr>
-      <p:sp>
-        <p:nvSpPr>
-          <p:cNvPr id="2" name="Title 1">
-            <a:extLst>
-              <a:ext uri="{FF2B5EF4-FFF2-40B4-BE49-F238E27FC236}">
-                <a16:creationId xmlns:a16="http://schemas.microsoft.com/office/drawing/2014/main" id="{16376EFC-FFD2-47EA-A7D9-D7C61C42F7E6}"/>
-              </a:ext>
-            </a:extLst>
-          </p:cNvPr>
-          <p:cNvSpPr>
-            <a:spLocks noGrp="1"/>
-          </p:cNvSpPr>
-          <p:nvPr>
-            <p:ph type="title"/>
-          </p:nvPr>
-        </p:nvSpPr>
-        <p:spPr/>
-        <p:txBody>
-          <a:bodyPr/>
-          <a:lstStyle/>
-          <a:p>
-            <a:r>
-              <a:rPr lang="en-AU" dirty="0"/>
-              <a:t>Japan-Germany</a:t>
-            </a:r>
-            <a:endParaRPr lang="en-GB" dirty="0"/>
-          </a:p>
-        </p:txBody>
-      </p:sp>
-      <p:sp>
-        <p:nvSpPr>
-          <p:cNvPr id="4" name="Slide Number Placeholder 3">
-            <a:extLst>
-              <a:ext uri="{FF2B5EF4-FFF2-40B4-BE49-F238E27FC236}">
-                <a16:creationId xmlns:a16="http://schemas.microsoft.com/office/drawing/2014/main" id="{3BD86E3B-4B5F-4B9C-B37F-9C78653323D7}"/>
-              </a:ext>
-            </a:extLst>
-          </p:cNvPr>
-          <p:cNvSpPr>
-            <a:spLocks noGrp="1"/>
-          </p:cNvSpPr>
-          <p:nvPr>
-            <p:ph type="sldNum" sz="quarter" idx="12"/>
-          </p:nvPr>
-        </p:nvSpPr>
-        <p:spPr/>
-        <p:txBody>
-          <a:bodyPr/>
-          <a:lstStyle/>
-          <a:p>
-            <a:pPr>
-              <a:defRPr/>
-            </a:pPr>
-            <a:fld id="{2B0FB755-1D62-448A-B6E9-65F667AFBE78}" type="slidenum">
-              <a:rPr lang="en-US" altLang="en-US" smtClean="0"/>
-              <a:pPr>
-                <a:defRPr/>
-              </a:pPr>
-              <a:t>8</a:t>
-            </a:fld>
-            <a:endParaRPr lang="en-US" altLang="en-US"/>
-          </a:p>
-        </p:txBody>
-      </p:sp>
-      <p:pic>
-        <p:nvPicPr>
-          <p:cNvPr id="5" name="Picture 4">
-            <a:extLst>
-              <a:ext uri="{FF2B5EF4-FFF2-40B4-BE49-F238E27FC236}">
-                <a16:creationId xmlns:a16="http://schemas.microsoft.com/office/drawing/2014/main" id="{E3BB976C-EE6A-4DA4-8767-4C0D4D92E1F4}"/>
-              </a:ext>
-            </a:extLst>
-          </p:cNvPr>
-          <p:cNvPicPr/>
-          <p:nvPr/>
-        </p:nvPicPr>
-        <p:blipFill rotWithShape="1">
-          <a:blip r:embed="rId2">
-            <a:extLst>
-              <a:ext uri="{28A0092B-C50C-407E-A947-70E740481C1C}">
-                <a14:useLocalDpi xmlns:a14="http://schemas.microsoft.com/office/drawing/2010/main" val="0"/>
-              </a:ext>
-            </a:extLst>
-          </a:blip>
-          <a:srcRect l="12131" t="14275" r="8797" b="18809"/>
-          <a:stretch/>
-        </p:blipFill>
-        <p:spPr bwMode="auto">
-          <a:xfrm>
-            <a:off x="1099820" y="1711960"/>
-            <a:ext cx="6944360" cy="3698240"/>
-          </a:xfrm>
-          <a:prstGeom prst="rect">
-            <a:avLst/>
-          </a:prstGeom>
-          <a:noFill/>
-          <a:ln>
-            <a:noFill/>
-          </a:ln>
-          <a:extLst>
-            <a:ext uri="{53640926-AAD7-44D8-BBD7-CCE9431645EC}">
-              <a14:shadowObscured xmlns:a14="http://schemas.microsoft.com/office/drawing/2010/main"/>
-            </a:ext>
-          </a:extLst>
-        </p:spPr>
-      </p:pic>
-      <p:sp>
-        <p:nvSpPr>
-          <p:cNvPr id="6" name="TextBox 5">
-            <a:extLst>
-              <a:ext uri="{FF2B5EF4-FFF2-40B4-BE49-F238E27FC236}">
-                <a16:creationId xmlns:a16="http://schemas.microsoft.com/office/drawing/2014/main" id="{C1C00960-E593-4FE4-8078-12DAC6CF4FCB}"/>
-              </a:ext>
-            </a:extLst>
-          </p:cNvPr>
-          <p:cNvSpPr txBox="1"/>
-          <p:nvPr/>
-        </p:nvSpPr>
-        <p:spPr>
-          <a:xfrm>
-            <a:off x="1410717" y="5562600"/>
-            <a:ext cx="6322565" cy="400110"/>
-          </a:xfrm>
-          <a:prstGeom prst="rect">
-            <a:avLst/>
-          </a:prstGeom>
-          <a:noFill/>
-        </p:spPr>
-        <p:txBody>
-          <a:bodyPr wrap="none" rtlCol="0">
-            <a:spAutoFit/>
-          </a:bodyPr>
-          <a:lstStyle/>
-          <a:p>
-            <a:r>
-              <a:rPr lang="en-AU" sz="2000" dirty="0"/>
-              <a:t>Maximum overpressure over inhabited areas: 10.59pa</a:t>
-            </a:r>
-            <a:endParaRPr lang="en-GB" sz="2000" dirty="0"/>
-          </a:p>
-        </p:txBody>
-      </p:sp>
-    </p:spTree>
-    <p:extLst>
-      <p:ext uri="{BB962C8B-B14F-4D97-AF65-F5344CB8AC3E}">
-        <p14:creationId xmlns:p14="http://schemas.microsoft.com/office/powerpoint/2010/main" val="663078775"/>
       </p:ext>
     </p:extLst>
   </p:cSld>
@@ -7197,7 +9415,7 @@
           <p:cNvPr id="2" name="Title 1">
             <a:extLst>
               <a:ext uri="{FF2B5EF4-FFF2-40B4-BE49-F238E27FC236}">
-                <a16:creationId xmlns:a16="http://schemas.microsoft.com/office/drawing/2014/main" id="{63EFF008-F382-40EF-90E1-F463C624B645}"/>
+                <a16:creationId xmlns:a16="http://schemas.microsoft.com/office/drawing/2014/main" id="{16376EFC-FFD2-47EA-A7D9-D7C61C42F7E6}"/>
               </a:ext>
             </a:extLst>
           </p:cNvPr>
@@ -7226,7 +9444,7 @@
           <p:cNvPr id="4" name="Slide Number Placeholder 3">
             <a:extLst>
               <a:ext uri="{FF2B5EF4-FFF2-40B4-BE49-F238E27FC236}">
-                <a16:creationId xmlns:a16="http://schemas.microsoft.com/office/drawing/2014/main" id="{E332D4D2-9DC5-4E4A-A746-F7D2E2191D03}"/>
+                <a16:creationId xmlns:a16="http://schemas.microsoft.com/office/drawing/2014/main" id="{3BD86E3B-4B5F-4B9C-B37F-9C78653323D7}"/>
               </a:ext>
             </a:extLst>
           </p:cNvPr>
@@ -7258,131 +9476,104 @@
       </p:sp>
       <p:pic>
         <p:nvPicPr>
-          <p:cNvPr id="5" name="Picture 4">
+          <p:cNvPr id="7" name="Picture 6">
             <a:extLst>
               <a:ext uri="{FF2B5EF4-FFF2-40B4-BE49-F238E27FC236}">
-                <a16:creationId xmlns:a16="http://schemas.microsoft.com/office/drawing/2014/main" id="{FBDF3EB9-F716-4FD0-8A65-346DE3EE0DDB}"/>
+                <a16:creationId xmlns:a16="http://schemas.microsoft.com/office/drawing/2014/main" id="{8DF765C4-EC9D-4AFF-BC6C-8FE4297DDFAD}"/>
               </a:ext>
             </a:extLst>
           </p:cNvPr>
-          <p:cNvPicPr/>
+          <p:cNvPicPr>
+            <a:picLocks noChangeAspect="1"/>
+          </p:cNvPicPr>
           <p:nvPr/>
         </p:nvPicPr>
-        <p:blipFill rotWithShape="1">
-          <a:blip r:embed="rId2">
+        <p:blipFill>
+          <a:blip r:embed="rId2" cstate="print">
             <a:extLst>
               <a:ext uri="{28A0092B-C50C-407E-A947-70E740481C1C}">
                 <a14:useLocalDpi xmlns:a14="http://schemas.microsoft.com/office/drawing/2010/main" val="0"/>
               </a:ext>
             </a:extLst>
           </a:blip>
-          <a:srcRect l="9023" t="5398" r="47990" b="4364"/>
-          <a:stretch/>
+          <a:stretch>
+            <a:fillRect/>
+          </a:stretch>
         </p:blipFill>
-        <p:spPr bwMode="auto">
+        <p:spPr>
           <a:xfrm>
-            <a:off x="293757" y="2019299"/>
-            <a:ext cx="2799683" cy="3859108"/>
+            <a:off x="1530000" y="1412776"/>
+            <a:ext cx="5820700" cy="4358555"/>
           </a:xfrm>
           <a:prstGeom prst="rect">
             <a:avLst/>
           </a:prstGeom>
-          <a:noFill/>
-          <a:ln>
-            <a:noFill/>
-          </a:ln>
-          <a:extLst>
-            <a:ext uri="{53640926-AAD7-44D8-BBD7-CCE9431645EC}">
-              <a14:shadowObscured xmlns:a14="http://schemas.microsoft.com/office/drawing/2010/main"/>
-            </a:ext>
-          </a:extLst>
         </p:spPr>
       </p:pic>
-      <p:pic>
-        <p:nvPicPr>
-          <p:cNvPr id="6" name="Picture 5">
+      <p:sp>
+        <p:nvSpPr>
+          <p:cNvPr id="8" name="Oval 7">
             <a:extLst>
               <a:ext uri="{FF2B5EF4-FFF2-40B4-BE49-F238E27FC236}">
-                <a16:creationId xmlns:a16="http://schemas.microsoft.com/office/drawing/2014/main" id="{65C7A4D2-727D-4A0A-87D9-190D241C8DD0}"/>
+                <a16:creationId xmlns:a16="http://schemas.microsoft.com/office/drawing/2014/main" id="{7E80F59C-690F-43B3-B2F9-DFC7E639B30B}"/>
               </a:ext>
             </a:extLst>
           </p:cNvPr>
-          <p:cNvPicPr/>
+          <p:cNvSpPr/>
           <p:nvPr/>
-        </p:nvPicPr>
-        <p:blipFill rotWithShape="1">
-          <a:blip r:embed="rId3">
-            <a:extLst>
-              <a:ext uri="{28A0092B-C50C-407E-A947-70E740481C1C}">
-                <a14:useLocalDpi xmlns:a14="http://schemas.microsoft.com/office/drawing/2010/main" val="0"/>
-              </a:ext>
-            </a:extLst>
-          </a:blip>
-          <a:srcRect l="7776" t="4901" r="8068" b="5794"/>
-          <a:stretch/>
-        </p:blipFill>
-        <p:spPr bwMode="auto">
+        </p:nvSpPr>
+        <p:spPr>
           <a:xfrm>
-            <a:off x="2819400" y="1981200"/>
-            <a:ext cx="5943600" cy="3897207"/>
+            <a:off x="2915816" y="1412776"/>
+            <a:ext cx="1368152" cy="1224136"/>
           </a:xfrm>
-          <a:prstGeom prst="rect">
+          <a:prstGeom prst="ellipse">
             <a:avLst/>
           </a:prstGeom>
           <a:noFill/>
-          <a:ln>
-            <a:noFill/>
-          </a:ln>
-          <a:extLst>
-            <a:ext uri="{53640926-AAD7-44D8-BBD7-CCE9431645EC}">
-              <a14:shadowObscured xmlns:a14="http://schemas.microsoft.com/office/drawing/2010/main"/>
-            </a:ext>
-          </a:extLst>
-        </p:spPr>
-      </p:pic>
-      <p:pic>
-        <p:nvPicPr>
-          <p:cNvPr id="7" name="Picture 6">
-            <a:extLst>
-              <a:ext uri="{FF2B5EF4-FFF2-40B4-BE49-F238E27FC236}">
-                <a16:creationId xmlns:a16="http://schemas.microsoft.com/office/drawing/2014/main" id="{A001CA7E-2D7A-4FEC-8FB3-12F3A77865D4}"/>
-              </a:ext>
-            </a:extLst>
-          </p:cNvPr>
-          <p:cNvPicPr/>
-          <p:nvPr/>
-        </p:nvPicPr>
-        <p:blipFill>
-          <a:blip r:embed="rId4">
-            <a:extLst>
-              <a:ext uri="{28A0092B-C50C-407E-A947-70E740481C1C}">
-                <a14:useLocalDpi xmlns:a14="http://schemas.microsoft.com/office/drawing/2010/main" val="0"/>
-              </a:ext>
-            </a:extLst>
-          </a:blip>
-          <a:srcRect/>
-          <a:stretch>
-            <a:fillRect/>
-          </a:stretch>
-        </p:blipFill>
-        <p:spPr bwMode="auto">
-          <a:xfrm>
-            <a:off x="5867400" y="1828800"/>
-            <a:ext cx="3124200" cy="1937992"/>
-          </a:xfrm>
-          <a:prstGeom prst="rect">
-            <a:avLst/>
-          </a:prstGeom>
-          <a:noFill/>
-          <a:ln>
-            <a:noFill/>
+          <a:ln w="28575">
+            <a:solidFill>
+              <a:srgbClr val="C00000"/>
+            </a:solidFill>
           </a:ln>
         </p:spPr>
-      </p:pic>
+        <p:style>
+          <a:lnRef idx="2">
+            <a:schemeClr val="accent1">
+              <a:shade val="50000"/>
+            </a:schemeClr>
+          </a:lnRef>
+          <a:fillRef idx="1">
+            <a:schemeClr val="accent1"/>
+          </a:fillRef>
+          <a:effectRef idx="0">
+            <a:schemeClr val="accent1"/>
+          </a:effectRef>
+          <a:fontRef idx="minor">
+            <a:schemeClr val="lt1"/>
+          </a:fontRef>
+        </p:style>
+        <p:txBody>
+          <a:bodyPr rtlCol="0" anchor="ctr">
+            <a:noAutofit/>
+          </a:bodyPr>
+          <a:lstStyle/>
+          <a:p>
+            <a:pPr algn="ctr"/>
+            <a:endParaRPr lang="en-GB" dirty="0">
+              <a:solidFill>
+                <a:schemeClr val="tx1"/>
+              </a:solidFill>
+              <a:latin typeface="Arial" pitchFamily="34" charset="0"/>
+              <a:cs typeface="Arial" pitchFamily="34" charset="0"/>
+            </a:endParaRPr>
+          </a:p>
+        </p:txBody>
+      </p:sp>
     </p:spTree>
     <p:extLst>
       <p:ext uri="{BB962C8B-B14F-4D97-AF65-F5344CB8AC3E}">
-        <p14:creationId xmlns:p14="http://schemas.microsoft.com/office/powerpoint/2010/main" val="1614970621"/>
+        <p14:creationId xmlns:p14="http://schemas.microsoft.com/office/powerpoint/2010/main" val="4046474276"/>
       </p:ext>
     </p:extLst>
   </p:cSld>
